--- a/Slides/Hockey 1/Hockey_1_Lecture.pptx
+++ b/Slides/Hockey 1/Hockey_1_Lecture.pptx
@@ -215,7 +215,7 @@
           <a:p>
             <a:fld id="{C04E5E84-956F-4423-97B3-5936A6D8EEEE}" type="datetimeFigureOut">
               <a:rPr lang="en-US" smtClean="0"/>
-              <a:t>11/18/2019</a:t>
+              <a:t>11/19/2019</a:t>
             </a:fld>
             <a:endParaRPr lang="en-US"/>
           </a:p>
@@ -629,7 +629,7 @@
           <a:p>
             <a:fld id="{3881C039-66A3-4640-815B-3B5A8B7D868D}" type="datetimeFigureOut">
               <a:rPr lang="en-US" smtClean="0"/>
-              <a:t>11/18/2019</a:t>
+              <a:t>11/19/2019</a:t>
             </a:fld>
             <a:endParaRPr lang="en-US"/>
           </a:p>
@@ -827,7 +827,7 @@
           <a:p>
             <a:fld id="{3881C039-66A3-4640-815B-3B5A8B7D868D}" type="datetimeFigureOut">
               <a:rPr lang="en-US" smtClean="0"/>
-              <a:t>11/18/2019</a:t>
+              <a:t>11/19/2019</a:t>
             </a:fld>
             <a:endParaRPr lang="en-US"/>
           </a:p>
@@ -1035,7 +1035,7 @@
           <a:p>
             <a:fld id="{3881C039-66A3-4640-815B-3B5A8B7D868D}" type="datetimeFigureOut">
               <a:rPr lang="en-US" smtClean="0"/>
-              <a:t>11/18/2019</a:t>
+              <a:t>11/19/2019</a:t>
             </a:fld>
             <a:endParaRPr lang="en-US"/>
           </a:p>
@@ -1233,7 +1233,7 @@
           <a:p>
             <a:fld id="{3881C039-66A3-4640-815B-3B5A8B7D868D}" type="datetimeFigureOut">
               <a:rPr lang="en-US" smtClean="0"/>
-              <a:t>11/18/2019</a:t>
+              <a:t>11/19/2019</a:t>
             </a:fld>
             <a:endParaRPr lang="en-US"/>
           </a:p>
@@ -1508,7 +1508,7 @@
           <a:p>
             <a:fld id="{3881C039-66A3-4640-815B-3B5A8B7D868D}" type="datetimeFigureOut">
               <a:rPr lang="en-US" smtClean="0"/>
-              <a:t>11/18/2019</a:t>
+              <a:t>11/19/2019</a:t>
             </a:fld>
             <a:endParaRPr lang="en-US"/>
           </a:p>
@@ -1773,7 +1773,7 @@
           <a:p>
             <a:fld id="{3881C039-66A3-4640-815B-3B5A8B7D868D}" type="datetimeFigureOut">
               <a:rPr lang="en-US" smtClean="0"/>
-              <a:t>11/18/2019</a:t>
+              <a:t>11/19/2019</a:t>
             </a:fld>
             <a:endParaRPr lang="en-US"/>
           </a:p>
@@ -2185,7 +2185,7 @@
           <a:p>
             <a:fld id="{3881C039-66A3-4640-815B-3B5A8B7D868D}" type="datetimeFigureOut">
               <a:rPr lang="en-US" smtClean="0"/>
-              <a:t>11/18/2019</a:t>
+              <a:t>11/19/2019</a:t>
             </a:fld>
             <a:endParaRPr lang="en-US"/>
           </a:p>
@@ -2326,7 +2326,7 @@
           <a:p>
             <a:fld id="{3881C039-66A3-4640-815B-3B5A8B7D868D}" type="datetimeFigureOut">
               <a:rPr lang="en-US" smtClean="0"/>
-              <a:t>11/18/2019</a:t>
+              <a:t>11/19/2019</a:t>
             </a:fld>
             <a:endParaRPr lang="en-US"/>
           </a:p>
@@ -2439,7 +2439,7 @@
           <a:p>
             <a:fld id="{3881C039-66A3-4640-815B-3B5A8B7D868D}" type="datetimeFigureOut">
               <a:rPr lang="en-US" smtClean="0"/>
-              <a:t>11/18/2019</a:t>
+              <a:t>11/19/2019</a:t>
             </a:fld>
             <a:endParaRPr lang="en-US"/>
           </a:p>
@@ -2750,7 +2750,7 @@
           <a:p>
             <a:fld id="{3881C039-66A3-4640-815B-3B5A8B7D868D}" type="datetimeFigureOut">
               <a:rPr lang="en-US" smtClean="0"/>
-              <a:t>11/18/2019</a:t>
+              <a:t>11/19/2019</a:t>
             </a:fld>
             <a:endParaRPr lang="en-US"/>
           </a:p>
@@ -3038,7 +3038,7 @@
           <a:p>
             <a:fld id="{3881C039-66A3-4640-815B-3B5A8B7D868D}" type="datetimeFigureOut">
               <a:rPr lang="en-US" smtClean="0"/>
-              <a:t>11/18/2019</a:t>
+              <a:t>11/19/2019</a:t>
             </a:fld>
             <a:endParaRPr lang="en-US"/>
           </a:p>
@@ -3282,7 +3282,7 @@
           <a:p>
             <a:fld id="{3881C039-66A3-4640-815B-3B5A8B7D868D}" type="datetimeFigureOut">
               <a:rPr lang="en-US" smtClean="0"/>
-              <a:t>11/18/2019</a:t>
+              <a:t>11/19/2019</a:t>
             </a:fld>
             <a:endParaRPr lang="en-US"/>
           </a:p>
@@ -4457,60 +4457,6 @@
           </a:p>
         </p:txBody>
       </p:sp>
-      <p:sp>
-        <p:nvSpPr>
-          <p:cNvPr id="19" name="Flowchart: Stored Data 18">
-            <a:extLst>
-              <a:ext uri="{FF2B5EF4-FFF2-40B4-BE49-F238E27FC236}">
-                <a16:creationId xmlns:a16="http://schemas.microsoft.com/office/drawing/2014/main" id="{21434BDC-077E-432A-B817-1C308E124339}"/>
-              </a:ext>
-            </a:extLst>
-          </p:cNvPr>
-          <p:cNvSpPr/>
-          <p:nvPr/>
-        </p:nvSpPr>
-        <p:spPr>
-          <a:xfrm rot="10800000">
-            <a:off x="9471211" y="239603"/>
-            <a:ext cx="242455" cy="1371600"/>
-          </a:xfrm>
-          <a:prstGeom prst="flowChartOnlineStorage">
-            <a:avLst/>
-          </a:prstGeom>
-          <a:solidFill>
-            <a:srgbClr val="FF0000"/>
-          </a:solidFill>
-          <a:ln>
-            <a:solidFill>
-              <a:srgbClr val="FE0000"/>
-            </a:solidFill>
-          </a:ln>
-        </p:spPr>
-        <p:style>
-          <a:lnRef idx="2">
-            <a:schemeClr val="accent1">
-              <a:shade val="50000"/>
-            </a:schemeClr>
-          </a:lnRef>
-          <a:fillRef idx="1">
-            <a:schemeClr val="accent1"/>
-          </a:fillRef>
-          <a:effectRef idx="0">
-            <a:schemeClr val="accent1"/>
-          </a:effectRef>
-          <a:fontRef idx="minor">
-            <a:schemeClr val="lt1"/>
-          </a:fontRef>
-        </p:style>
-        <p:txBody>
-          <a:bodyPr rtlCol="0" anchor="ctr"/>
-          <a:lstStyle/>
-          <a:p>
-            <a:pPr algn="ctr"/>
-            <a:endParaRPr lang="en-US"/>
-          </a:p>
-        </p:txBody>
-      </p:sp>
       <p:pic>
         <p:nvPicPr>
           <p:cNvPr id="2" name="Picture 1">
@@ -4816,6 +4762,187 @@
               </a:rPr>
               <a:t>Cost Function of Coefficients</a:t>
             </a:r>
+          </a:p>
+        </p:txBody>
+      </p:sp>
+      <p:sp>
+        <p:nvSpPr>
+          <p:cNvPr id="21" name="Title 1">
+            <a:extLst>
+              <a:ext uri="{FF2B5EF4-FFF2-40B4-BE49-F238E27FC236}">
+                <a16:creationId xmlns:a16="http://schemas.microsoft.com/office/drawing/2014/main" id="{631491D4-67BD-4D85-8BDF-FCF3D271FD01}"/>
+              </a:ext>
+            </a:extLst>
+          </p:cNvPr>
+          <p:cNvSpPr txBox="1">
+            <a:spLocks/>
+          </p:cNvSpPr>
+          <p:nvPr/>
+        </p:nvSpPr>
+        <p:spPr>
+          <a:xfrm>
+            <a:off x="2528316" y="413339"/>
+            <a:ext cx="10506456" cy="1197864"/>
+          </a:xfrm>
+          <a:prstGeom prst="rect">
+            <a:avLst/>
+          </a:prstGeom>
+          <a:solidFill>
+            <a:schemeClr val="bg1"/>
+          </a:solidFill>
+          <a:ln w="44450" cmpd="thinThick">
+            <a:noFill/>
+          </a:ln>
+        </p:spPr>
+        <p:txBody>
+          <a:bodyPr vert="horz" lIns="91440" tIns="45720" rIns="91440" bIns="45720" rtlCol="0" anchor="ctr">
+            <a:normAutofit/>
+          </a:bodyPr>
+          <a:lstStyle>
+            <a:lvl1pPr algn="l" defTabSz="914400" rtl="0" eaLnBrk="1" latinLnBrk="0" hangingPunct="1">
+              <a:lnSpc>
+                <a:spcPct val="90000"/>
+              </a:lnSpc>
+              <a:spcBef>
+                <a:spcPct val="0"/>
+              </a:spcBef>
+              <a:buNone/>
+              <a:defRPr sz="4400" kern="1200">
+                <a:solidFill>
+                  <a:schemeClr val="tx1"/>
+                </a:solidFill>
+                <a:latin typeface="+mj-lt"/>
+                <a:ea typeface="+mj-ea"/>
+                <a:cs typeface="+mj-cs"/>
+              </a:defRPr>
+            </a:lvl1pPr>
+          </a:lstStyle>
+          <a:p>
+            <a:r>
+              <a:rPr lang="en-US" sz="4800" dirty="0">
+                <a:ln w="12700">
+                  <a:noFill/>
+                </a:ln>
+                <a:solidFill>
+                  <a:schemeClr val="accent6">
+                    <a:lumMod val="75000"/>
+                  </a:schemeClr>
+                </a:solidFill>
+                <a:effectLst>
+                  <a:reflection blurRad="6350" stA="53000" endA="300" endPos="35500" dir="5400000" sy="-90000" algn="bl" rotWithShape="0"/>
+                </a:effectLst>
+                <a:latin typeface="Selawik Semibold" panose="020B0702040204020203" pitchFamily="34" charset="0"/>
+              </a:rPr>
+              <a:t>Player Performance</a:t>
+            </a:r>
+          </a:p>
+        </p:txBody>
+      </p:sp>
+      <p:sp>
+        <p:nvSpPr>
+          <p:cNvPr id="22" name="Flowchart: Stored Data 21">
+            <a:extLst>
+              <a:ext uri="{FF2B5EF4-FFF2-40B4-BE49-F238E27FC236}">
+                <a16:creationId xmlns:a16="http://schemas.microsoft.com/office/drawing/2014/main" id="{D25FF9FA-C93A-4270-B100-D9A2696ECCD4}"/>
+              </a:ext>
+            </a:extLst>
+          </p:cNvPr>
+          <p:cNvSpPr/>
+          <p:nvPr/>
+        </p:nvSpPr>
+        <p:spPr>
+          <a:xfrm>
+            <a:off x="2300870" y="239603"/>
+            <a:ext cx="242455" cy="1371600"/>
+          </a:xfrm>
+          <a:prstGeom prst="flowChartOnlineStorage">
+            <a:avLst/>
+          </a:prstGeom>
+          <a:solidFill>
+            <a:srgbClr val="FF0000"/>
+          </a:solidFill>
+          <a:ln>
+            <a:solidFill>
+              <a:srgbClr val="FE0000"/>
+            </a:solidFill>
+          </a:ln>
+        </p:spPr>
+        <p:style>
+          <a:lnRef idx="2">
+            <a:schemeClr val="accent1">
+              <a:shade val="50000"/>
+            </a:schemeClr>
+          </a:lnRef>
+          <a:fillRef idx="1">
+            <a:schemeClr val="accent1"/>
+          </a:fillRef>
+          <a:effectRef idx="0">
+            <a:schemeClr val="accent1"/>
+          </a:effectRef>
+          <a:fontRef idx="minor">
+            <a:schemeClr val="lt1"/>
+          </a:fontRef>
+        </p:style>
+        <p:txBody>
+          <a:bodyPr rtlCol="0" anchor="ctr"/>
+          <a:lstStyle/>
+          <a:p>
+            <a:pPr algn="ctr"/>
+            <a:endParaRPr lang="en-US"/>
+          </a:p>
+        </p:txBody>
+      </p:sp>
+      <p:sp>
+        <p:nvSpPr>
+          <p:cNvPr id="23" name="Flowchart: Stored Data 22">
+            <a:extLst>
+              <a:ext uri="{FF2B5EF4-FFF2-40B4-BE49-F238E27FC236}">
+                <a16:creationId xmlns:a16="http://schemas.microsoft.com/office/drawing/2014/main" id="{80189A08-823C-48FC-9CF2-7B71326B1FE8}"/>
+              </a:ext>
+            </a:extLst>
+          </p:cNvPr>
+          <p:cNvSpPr/>
+          <p:nvPr/>
+        </p:nvSpPr>
+        <p:spPr>
+          <a:xfrm rot="10800000">
+            <a:off x="8187017" y="239603"/>
+            <a:ext cx="242455" cy="1371600"/>
+          </a:xfrm>
+          <a:prstGeom prst="flowChartOnlineStorage">
+            <a:avLst/>
+          </a:prstGeom>
+          <a:solidFill>
+            <a:srgbClr val="FF0000"/>
+          </a:solidFill>
+          <a:ln>
+            <a:solidFill>
+              <a:srgbClr val="FE0000"/>
+            </a:solidFill>
+          </a:ln>
+        </p:spPr>
+        <p:style>
+          <a:lnRef idx="2">
+            <a:schemeClr val="accent1">
+              <a:shade val="50000"/>
+            </a:schemeClr>
+          </a:lnRef>
+          <a:fillRef idx="1">
+            <a:schemeClr val="accent1"/>
+          </a:fillRef>
+          <a:effectRef idx="0">
+            <a:schemeClr val="accent1"/>
+          </a:effectRef>
+          <a:fontRef idx="minor">
+            <a:schemeClr val="lt1"/>
+          </a:fontRef>
+        </p:style>
+        <p:txBody>
+          <a:bodyPr rtlCol="0" anchor="ctr"/>
+          <a:lstStyle/>
+          <a:p>
+            <a:pPr algn="ctr"/>
+            <a:endParaRPr lang="en-US"/>
           </a:p>
         </p:txBody>
       </p:sp>
@@ -5291,60 +5418,6 @@
           </a:p>
         </p:txBody>
       </p:sp>
-      <p:sp>
-        <p:nvSpPr>
-          <p:cNvPr id="19" name="Flowchart: Stored Data 18">
-            <a:extLst>
-              <a:ext uri="{FF2B5EF4-FFF2-40B4-BE49-F238E27FC236}">
-                <a16:creationId xmlns:a16="http://schemas.microsoft.com/office/drawing/2014/main" id="{21434BDC-077E-432A-B817-1C308E124339}"/>
-              </a:ext>
-            </a:extLst>
-          </p:cNvPr>
-          <p:cNvSpPr/>
-          <p:nvPr/>
-        </p:nvSpPr>
-        <p:spPr>
-          <a:xfrm rot="10800000">
-            <a:off x="9471211" y="239603"/>
-            <a:ext cx="242455" cy="1371600"/>
-          </a:xfrm>
-          <a:prstGeom prst="flowChartOnlineStorage">
-            <a:avLst/>
-          </a:prstGeom>
-          <a:solidFill>
-            <a:srgbClr val="FF0000"/>
-          </a:solidFill>
-          <a:ln>
-            <a:solidFill>
-              <a:srgbClr val="FE0000"/>
-            </a:solidFill>
-          </a:ln>
-        </p:spPr>
-        <p:style>
-          <a:lnRef idx="2">
-            <a:schemeClr val="accent1">
-              <a:shade val="50000"/>
-            </a:schemeClr>
-          </a:lnRef>
-          <a:fillRef idx="1">
-            <a:schemeClr val="accent1"/>
-          </a:fillRef>
-          <a:effectRef idx="0">
-            <a:schemeClr val="accent1"/>
-          </a:effectRef>
-          <a:fontRef idx="minor">
-            <a:schemeClr val="lt1"/>
-          </a:fontRef>
-        </p:style>
-        <p:txBody>
-          <a:bodyPr rtlCol="0" anchor="ctr"/>
-          <a:lstStyle/>
-          <a:p>
-            <a:pPr algn="ctr"/>
-            <a:endParaRPr lang="en-US"/>
-          </a:p>
-        </p:txBody>
-      </p:sp>
       <p:pic>
         <p:nvPicPr>
           <p:cNvPr id="2" name="Picture 1">
@@ -5576,6 +5649,187 @@
           </a:prstGeom>
         </p:spPr>
       </p:pic>
+      <p:sp>
+        <p:nvSpPr>
+          <p:cNvPr id="16" name="Title 1">
+            <a:extLst>
+              <a:ext uri="{FF2B5EF4-FFF2-40B4-BE49-F238E27FC236}">
+                <a16:creationId xmlns:a16="http://schemas.microsoft.com/office/drawing/2014/main" id="{683AEBA4-3947-40D7-BC1C-D404460FC9F2}"/>
+              </a:ext>
+            </a:extLst>
+          </p:cNvPr>
+          <p:cNvSpPr txBox="1">
+            <a:spLocks/>
+          </p:cNvSpPr>
+          <p:nvPr/>
+        </p:nvSpPr>
+        <p:spPr>
+          <a:xfrm>
+            <a:off x="2528316" y="413339"/>
+            <a:ext cx="10506456" cy="1197864"/>
+          </a:xfrm>
+          <a:prstGeom prst="rect">
+            <a:avLst/>
+          </a:prstGeom>
+          <a:solidFill>
+            <a:schemeClr val="bg1"/>
+          </a:solidFill>
+          <a:ln w="44450" cmpd="thinThick">
+            <a:noFill/>
+          </a:ln>
+        </p:spPr>
+        <p:txBody>
+          <a:bodyPr vert="horz" lIns="91440" tIns="45720" rIns="91440" bIns="45720" rtlCol="0" anchor="ctr">
+            <a:normAutofit/>
+          </a:bodyPr>
+          <a:lstStyle>
+            <a:lvl1pPr algn="l" defTabSz="914400" rtl="0" eaLnBrk="1" latinLnBrk="0" hangingPunct="1">
+              <a:lnSpc>
+                <a:spcPct val="90000"/>
+              </a:lnSpc>
+              <a:spcBef>
+                <a:spcPct val="0"/>
+              </a:spcBef>
+              <a:buNone/>
+              <a:defRPr sz="4400" kern="1200">
+                <a:solidFill>
+                  <a:schemeClr val="tx1"/>
+                </a:solidFill>
+                <a:latin typeface="+mj-lt"/>
+                <a:ea typeface="+mj-ea"/>
+                <a:cs typeface="+mj-cs"/>
+              </a:defRPr>
+            </a:lvl1pPr>
+          </a:lstStyle>
+          <a:p>
+            <a:r>
+              <a:rPr lang="en-US" sz="4800" dirty="0">
+                <a:ln w="12700">
+                  <a:noFill/>
+                </a:ln>
+                <a:solidFill>
+                  <a:schemeClr val="accent6">
+                    <a:lumMod val="75000"/>
+                  </a:schemeClr>
+                </a:solidFill>
+                <a:effectLst>
+                  <a:reflection blurRad="6350" stA="53000" endA="300" endPos="35500" dir="5400000" sy="-90000" algn="bl" rotWithShape="0"/>
+                </a:effectLst>
+                <a:latin typeface="Selawik Semibold" panose="020B0702040204020203" pitchFamily="34" charset="0"/>
+              </a:rPr>
+              <a:t>Player Performance</a:t>
+            </a:r>
+          </a:p>
+        </p:txBody>
+      </p:sp>
+      <p:sp>
+        <p:nvSpPr>
+          <p:cNvPr id="20" name="Flowchart: Stored Data 19">
+            <a:extLst>
+              <a:ext uri="{FF2B5EF4-FFF2-40B4-BE49-F238E27FC236}">
+                <a16:creationId xmlns:a16="http://schemas.microsoft.com/office/drawing/2014/main" id="{F402A022-6E3D-42D4-B87E-DC8268DF5F02}"/>
+              </a:ext>
+            </a:extLst>
+          </p:cNvPr>
+          <p:cNvSpPr/>
+          <p:nvPr/>
+        </p:nvSpPr>
+        <p:spPr>
+          <a:xfrm>
+            <a:off x="2300870" y="239603"/>
+            <a:ext cx="242455" cy="1371600"/>
+          </a:xfrm>
+          <a:prstGeom prst="flowChartOnlineStorage">
+            <a:avLst/>
+          </a:prstGeom>
+          <a:solidFill>
+            <a:srgbClr val="FF0000"/>
+          </a:solidFill>
+          <a:ln>
+            <a:solidFill>
+              <a:srgbClr val="FE0000"/>
+            </a:solidFill>
+          </a:ln>
+        </p:spPr>
+        <p:style>
+          <a:lnRef idx="2">
+            <a:schemeClr val="accent1">
+              <a:shade val="50000"/>
+            </a:schemeClr>
+          </a:lnRef>
+          <a:fillRef idx="1">
+            <a:schemeClr val="accent1"/>
+          </a:fillRef>
+          <a:effectRef idx="0">
+            <a:schemeClr val="accent1"/>
+          </a:effectRef>
+          <a:fontRef idx="minor">
+            <a:schemeClr val="lt1"/>
+          </a:fontRef>
+        </p:style>
+        <p:txBody>
+          <a:bodyPr rtlCol="0" anchor="ctr"/>
+          <a:lstStyle/>
+          <a:p>
+            <a:pPr algn="ctr"/>
+            <a:endParaRPr lang="en-US"/>
+          </a:p>
+        </p:txBody>
+      </p:sp>
+      <p:sp>
+        <p:nvSpPr>
+          <p:cNvPr id="21" name="Flowchart: Stored Data 20">
+            <a:extLst>
+              <a:ext uri="{FF2B5EF4-FFF2-40B4-BE49-F238E27FC236}">
+                <a16:creationId xmlns:a16="http://schemas.microsoft.com/office/drawing/2014/main" id="{86BD1487-1AC9-4D51-9D52-6FFA0F4F7573}"/>
+              </a:ext>
+            </a:extLst>
+          </p:cNvPr>
+          <p:cNvSpPr/>
+          <p:nvPr/>
+        </p:nvSpPr>
+        <p:spPr>
+          <a:xfrm rot="10800000">
+            <a:off x="8187017" y="239603"/>
+            <a:ext cx="242455" cy="1371600"/>
+          </a:xfrm>
+          <a:prstGeom prst="flowChartOnlineStorage">
+            <a:avLst/>
+          </a:prstGeom>
+          <a:solidFill>
+            <a:srgbClr val="FF0000"/>
+          </a:solidFill>
+          <a:ln>
+            <a:solidFill>
+              <a:srgbClr val="FE0000"/>
+            </a:solidFill>
+          </a:ln>
+        </p:spPr>
+        <p:style>
+          <a:lnRef idx="2">
+            <a:schemeClr val="accent1">
+              <a:shade val="50000"/>
+            </a:schemeClr>
+          </a:lnRef>
+          <a:fillRef idx="1">
+            <a:schemeClr val="accent1"/>
+          </a:fillRef>
+          <a:effectRef idx="0">
+            <a:schemeClr val="accent1"/>
+          </a:effectRef>
+          <a:fontRef idx="minor">
+            <a:schemeClr val="lt1"/>
+          </a:fontRef>
+        </p:style>
+        <p:txBody>
+          <a:bodyPr rtlCol="0" anchor="ctr"/>
+          <a:lstStyle/>
+          <a:p>
+            <a:pPr algn="ctr"/>
+            <a:endParaRPr lang="en-US"/>
+          </a:p>
+        </p:txBody>
+      </p:sp>
     </p:spTree>
     <p:extLst>
       <p:ext uri="{BB962C8B-B14F-4D97-AF65-F5344CB8AC3E}">
@@ -6087,60 +6341,6 @@
           </a:p>
         </p:txBody>
       </p:sp>
-      <p:sp>
-        <p:nvSpPr>
-          <p:cNvPr id="19" name="Flowchart: Stored Data 18">
-            <a:extLst>
-              <a:ext uri="{FF2B5EF4-FFF2-40B4-BE49-F238E27FC236}">
-                <a16:creationId xmlns:a16="http://schemas.microsoft.com/office/drawing/2014/main" id="{21434BDC-077E-432A-B817-1C308E124339}"/>
-              </a:ext>
-            </a:extLst>
-          </p:cNvPr>
-          <p:cNvSpPr/>
-          <p:nvPr/>
-        </p:nvSpPr>
-        <p:spPr>
-          <a:xfrm rot="10800000">
-            <a:off x="9471211" y="239603"/>
-            <a:ext cx="242455" cy="1371600"/>
-          </a:xfrm>
-          <a:prstGeom prst="flowChartOnlineStorage">
-            <a:avLst/>
-          </a:prstGeom>
-          <a:solidFill>
-            <a:srgbClr val="FF0000"/>
-          </a:solidFill>
-          <a:ln>
-            <a:solidFill>
-              <a:srgbClr val="FE0000"/>
-            </a:solidFill>
-          </a:ln>
-        </p:spPr>
-        <p:style>
-          <a:lnRef idx="2">
-            <a:schemeClr val="accent1">
-              <a:shade val="50000"/>
-            </a:schemeClr>
-          </a:lnRef>
-          <a:fillRef idx="1">
-            <a:schemeClr val="accent1"/>
-          </a:fillRef>
-          <a:effectRef idx="0">
-            <a:schemeClr val="accent1"/>
-          </a:effectRef>
-          <a:fontRef idx="minor">
-            <a:schemeClr val="lt1"/>
-          </a:fontRef>
-        </p:style>
-        <p:txBody>
-          <a:bodyPr rtlCol="0" anchor="ctr"/>
-          <a:lstStyle/>
-          <a:p>
-            <a:pPr algn="ctr"/>
-            <a:endParaRPr lang="en-US"/>
-          </a:p>
-        </p:txBody>
-      </p:sp>
       <p:pic>
         <p:nvPicPr>
           <p:cNvPr id="2" name="Picture 1">
@@ -6277,6 +6477,187 @@
               </a:rPr>
               <a:t> Scored?</a:t>
             </a:r>
+          </a:p>
+        </p:txBody>
+      </p:sp>
+      <p:sp>
+        <p:nvSpPr>
+          <p:cNvPr id="14" name="Title 1">
+            <a:extLst>
+              <a:ext uri="{FF2B5EF4-FFF2-40B4-BE49-F238E27FC236}">
+                <a16:creationId xmlns:a16="http://schemas.microsoft.com/office/drawing/2014/main" id="{D396C09A-041A-4838-8235-A1C870E02641}"/>
+              </a:ext>
+            </a:extLst>
+          </p:cNvPr>
+          <p:cNvSpPr txBox="1">
+            <a:spLocks/>
+          </p:cNvSpPr>
+          <p:nvPr/>
+        </p:nvSpPr>
+        <p:spPr>
+          <a:xfrm>
+            <a:off x="2528316" y="413339"/>
+            <a:ext cx="10506456" cy="1197864"/>
+          </a:xfrm>
+          <a:prstGeom prst="rect">
+            <a:avLst/>
+          </a:prstGeom>
+          <a:solidFill>
+            <a:schemeClr val="bg1"/>
+          </a:solidFill>
+          <a:ln w="44450" cmpd="thinThick">
+            <a:noFill/>
+          </a:ln>
+        </p:spPr>
+        <p:txBody>
+          <a:bodyPr vert="horz" lIns="91440" tIns="45720" rIns="91440" bIns="45720" rtlCol="0" anchor="ctr">
+            <a:normAutofit/>
+          </a:bodyPr>
+          <a:lstStyle>
+            <a:lvl1pPr algn="l" defTabSz="914400" rtl="0" eaLnBrk="1" latinLnBrk="0" hangingPunct="1">
+              <a:lnSpc>
+                <a:spcPct val="90000"/>
+              </a:lnSpc>
+              <a:spcBef>
+                <a:spcPct val="0"/>
+              </a:spcBef>
+              <a:buNone/>
+              <a:defRPr sz="4400" kern="1200">
+                <a:solidFill>
+                  <a:schemeClr val="tx1"/>
+                </a:solidFill>
+                <a:latin typeface="+mj-lt"/>
+                <a:ea typeface="+mj-ea"/>
+                <a:cs typeface="+mj-cs"/>
+              </a:defRPr>
+            </a:lvl1pPr>
+          </a:lstStyle>
+          <a:p>
+            <a:r>
+              <a:rPr lang="en-US" sz="4800" dirty="0">
+                <a:ln w="12700">
+                  <a:noFill/>
+                </a:ln>
+                <a:solidFill>
+                  <a:schemeClr val="accent6">
+                    <a:lumMod val="75000"/>
+                  </a:schemeClr>
+                </a:solidFill>
+                <a:effectLst>
+                  <a:reflection blurRad="6350" stA="53000" endA="300" endPos="35500" dir="5400000" sy="-90000" algn="bl" rotWithShape="0"/>
+                </a:effectLst>
+                <a:latin typeface="Selawik Semibold" panose="020B0702040204020203" pitchFamily="34" charset="0"/>
+              </a:rPr>
+              <a:t>Player Performance</a:t>
+            </a:r>
+          </a:p>
+        </p:txBody>
+      </p:sp>
+      <p:sp>
+        <p:nvSpPr>
+          <p:cNvPr id="15" name="Flowchart: Stored Data 14">
+            <a:extLst>
+              <a:ext uri="{FF2B5EF4-FFF2-40B4-BE49-F238E27FC236}">
+                <a16:creationId xmlns:a16="http://schemas.microsoft.com/office/drawing/2014/main" id="{2AEB4DB3-1C50-490B-9817-B357DD098B93}"/>
+              </a:ext>
+            </a:extLst>
+          </p:cNvPr>
+          <p:cNvSpPr/>
+          <p:nvPr/>
+        </p:nvSpPr>
+        <p:spPr>
+          <a:xfrm>
+            <a:off x="2300870" y="239603"/>
+            <a:ext cx="242455" cy="1371600"/>
+          </a:xfrm>
+          <a:prstGeom prst="flowChartOnlineStorage">
+            <a:avLst/>
+          </a:prstGeom>
+          <a:solidFill>
+            <a:srgbClr val="FF0000"/>
+          </a:solidFill>
+          <a:ln>
+            <a:solidFill>
+              <a:srgbClr val="FE0000"/>
+            </a:solidFill>
+          </a:ln>
+        </p:spPr>
+        <p:style>
+          <a:lnRef idx="2">
+            <a:schemeClr val="accent1">
+              <a:shade val="50000"/>
+            </a:schemeClr>
+          </a:lnRef>
+          <a:fillRef idx="1">
+            <a:schemeClr val="accent1"/>
+          </a:fillRef>
+          <a:effectRef idx="0">
+            <a:schemeClr val="accent1"/>
+          </a:effectRef>
+          <a:fontRef idx="minor">
+            <a:schemeClr val="lt1"/>
+          </a:fontRef>
+        </p:style>
+        <p:txBody>
+          <a:bodyPr rtlCol="0" anchor="ctr"/>
+          <a:lstStyle/>
+          <a:p>
+            <a:pPr algn="ctr"/>
+            <a:endParaRPr lang="en-US"/>
+          </a:p>
+        </p:txBody>
+      </p:sp>
+      <p:sp>
+        <p:nvSpPr>
+          <p:cNvPr id="16" name="Flowchart: Stored Data 15">
+            <a:extLst>
+              <a:ext uri="{FF2B5EF4-FFF2-40B4-BE49-F238E27FC236}">
+                <a16:creationId xmlns:a16="http://schemas.microsoft.com/office/drawing/2014/main" id="{1A989630-BB61-4B0E-B8C8-A3DAC3CC90FF}"/>
+              </a:ext>
+            </a:extLst>
+          </p:cNvPr>
+          <p:cNvSpPr/>
+          <p:nvPr/>
+        </p:nvSpPr>
+        <p:spPr>
+          <a:xfrm rot="10800000">
+            <a:off x="8187017" y="239603"/>
+            <a:ext cx="242455" cy="1371600"/>
+          </a:xfrm>
+          <a:prstGeom prst="flowChartOnlineStorage">
+            <a:avLst/>
+          </a:prstGeom>
+          <a:solidFill>
+            <a:srgbClr val="FF0000"/>
+          </a:solidFill>
+          <a:ln>
+            <a:solidFill>
+              <a:srgbClr val="FE0000"/>
+            </a:solidFill>
+          </a:ln>
+        </p:spPr>
+        <p:style>
+          <a:lnRef idx="2">
+            <a:schemeClr val="accent1">
+              <a:shade val="50000"/>
+            </a:schemeClr>
+          </a:lnRef>
+          <a:fillRef idx="1">
+            <a:schemeClr val="accent1"/>
+          </a:fillRef>
+          <a:effectRef idx="0">
+            <a:schemeClr val="accent1"/>
+          </a:effectRef>
+          <a:fontRef idx="minor">
+            <a:schemeClr val="lt1"/>
+          </a:fontRef>
+        </p:style>
+        <p:txBody>
+          <a:bodyPr rtlCol="0" anchor="ctr"/>
+          <a:lstStyle/>
+          <a:p>
+            <a:pPr algn="ctr"/>
+            <a:endParaRPr lang="en-US"/>
           </a:p>
         </p:txBody>
       </p:sp>
@@ -6744,60 +7125,6 @@
           </a:p>
         </p:txBody>
       </p:sp>
-      <p:sp>
-        <p:nvSpPr>
-          <p:cNvPr id="19" name="Flowchart: Stored Data 18">
-            <a:extLst>
-              <a:ext uri="{FF2B5EF4-FFF2-40B4-BE49-F238E27FC236}">
-                <a16:creationId xmlns:a16="http://schemas.microsoft.com/office/drawing/2014/main" id="{21434BDC-077E-432A-B817-1C308E124339}"/>
-              </a:ext>
-            </a:extLst>
-          </p:cNvPr>
-          <p:cNvSpPr/>
-          <p:nvPr/>
-        </p:nvSpPr>
-        <p:spPr>
-          <a:xfrm rot="10800000">
-            <a:off x="9471211" y="239603"/>
-            <a:ext cx="242455" cy="1371600"/>
-          </a:xfrm>
-          <a:prstGeom prst="flowChartOnlineStorage">
-            <a:avLst/>
-          </a:prstGeom>
-          <a:solidFill>
-            <a:srgbClr val="FF0000"/>
-          </a:solidFill>
-          <a:ln>
-            <a:solidFill>
-              <a:srgbClr val="FE0000"/>
-            </a:solidFill>
-          </a:ln>
-        </p:spPr>
-        <p:style>
-          <a:lnRef idx="2">
-            <a:schemeClr val="accent1">
-              <a:shade val="50000"/>
-            </a:schemeClr>
-          </a:lnRef>
-          <a:fillRef idx="1">
-            <a:schemeClr val="accent1"/>
-          </a:fillRef>
-          <a:effectRef idx="0">
-            <a:schemeClr val="accent1"/>
-          </a:effectRef>
-          <a:fontRef idx="minor">
-            <a:schemeClr val="lt1"/>
-          </a:fontRef>
-        </p:style>
-        <p:txBody>
-          <a:bodyPr rtlCol="0" anchor="ctr"/>
-          <a:lstStyle/>
-          <a:p>
-            <a:pPr algn="ctr"/>
-            <a:endParaRPr lang="en-US"/>
-          </a:p>
-        </p:txBody>
-      </p:sp>
       <p:pic>
         <p:nvPicPr>
           <p:cNvPr id="3" name="Picture 2">
@@ -6968,6 +7295,187 @@
               </a:rPr>
               <a:t> Was on the Ice For</a:t>
             </a:r>
+          </a:p>
+        </p:txBody>
+      </p:sp>
+      <p:sp>
+        <p:nvSpPr>
+          <p:cNvPr id="12" name="Title 1">
+            <a:extLst>
+              <a:ext uri="{FF2B5EF4-FFF2-40B4-BE49-F238E27FC236}">
+                <a16:creationId xmlns:a16="http://schemas.microsoft.com/office/drawing/2014/main" id="{A321541F-CB12-4C6D-9A6B-D26BAD7E9CFC}"/>
+              </a:ext>
+            </a:extLst>
+          </p:cNvPr>
+          <p:cNvSpPr txBox="1">
+            <a:spLocks/>
+          </p:cNvSpPr>
+          <p:nvPr/>
+        </p:nvSpPr>
+        <p:spPr>
+          <a:xfrm>
+            <a:off x="2528316" y="413339"/>
+            <a:ext cx="10506456" cy="1197864"/>
+          </a:xfrm>
+          <a:prstGeom prst="rect">
+            <a:avLst/>
+          </a:prstGeom>
+          <a:solidFill>
+            <a:schemeClr val="bg1"/>
+          </a:solidFill>
+          <a:ln w="44450" cmpd="thinThick">
+            <a:noFill/>
+          </a:ln>
+        </p:spPr>
+        <p:txBody>
+          <a:bodyPr vert="horz" lIns="91440" tIns="45720" rIns="91440" bIns="45720" rtlCol="0" anchor="ctr">
+            <a:normAutofit/>
+          </a:bodyPr>
+          <a:lstStyle>
+            <a:lvl1pPr algn="l" defTabSz="914400" rtl="0" eaLnBrk="1" latinLnBrk="0" hangingPunct="1">
+              <a:lnSpc>
+                <a:spcPct val="90000"/>
+              </a:lnSpc>
+              <a:spcBef>
+                <a:spcPct val="0"/>
+              </a:spcBef>
+              <a:buNone/>
+              <a:defRPr sz="4400" kern="1200">
+                <a:solidFill>
+                  <a:schemeClr val="tx1"/>
+                </a:solidFill>
+                <a:latin typeface="+mj-lt"/>
+                <a:ea typeface="+mj-ea"/>
+                <a:cs typeface="+mj-cs"/>
+              </a:defRPr>
+            </a:lvl1pPr>
+          </a:lstStyle>
+          <a:p>
+            <a:r>
+              <a:rPr lang="en-US" sz="4800" dirty="0">
+                <a:ln w="12700">
+                  <a:noFill/>
+                </a:ln>
+                <a:solidFill>
+                  <a:schemeClr val="accent6">
+                    <a:lumMod val="75000"/>
+                  </a:schemeClr>
+                </a:solidFill>
+                <a:effectLst>
+                  <a:reflection blurRad="6350" stA="53000" endA="300" endPos="35500" dir="5400000" sy="-90000" algn="bl" rotWithShape="0"/>
+                </a:effectLst>
+                <a:latin typeface="Selawik Semibold" panose="020B0702040204020203" pitchFamily="34" charset="0"/>
+              </a:rPr>
+              <a:t>Player Performance</a:t>
+            </a:r>
+          </a:p>
+        </p:txBody>
+      </p:sp>
+      <p:sp>
+        <p:nvSpPr>
+          <p:cNvPr id="13" name="Flowchart: Stored Data 12">
+            <a:extLst>
+              <a:ext uri="{FF2B5EF4-FFF2-40B4-BE49-F238E27FC236}">
+                <a16:creationId xmlns:a16="http://schemas.microsoft.com/office/drawing/2014/main" id="{BE4A45FC-19CB-4834-A8AC-233039A160E2}"/>
+              </a:ext>
+            </a:extLst>
+          </p:cNvPr>
+          <p:cNvSpPr/>
+          <p:nvPr/>
+        </p:nvSpPr>
+        <p:spPr>
+          <a:xfrm>
+            <a:off x="2300870" y="239603"/>
+            <a:ext cx="242455" cy="1371600"/>
+          </a:xfrm>
+          <a:prstGeom prst="flowChartOnlineStorage">
+            <a:avLst/>
+          </a:prstGeom>
+          <a:solidFill>
+            <a:srgbClr val="FF0000"/>
+          </a:solidFill>
+          <a:ln>
+            <a:solidFill>
+              <a:srgbClr val="FE0000"/>
+            </a:solidFill>
+          </a:ln>
+        </p:spPr>
+        <p:style>
+          <a:lnRef idx="2">
+            <a:schemeClr val="accent1">
+              <a:shade val="50000"/>
+            </a:schemeClr>
+          </a:lnRef>
+          <a:fillRef idx="1">
+            <a:schemeClr val="accent1"/>
+          </a:fillRef>
+          <a:effectRef idx="0">
+            <a:schemeClr val="accent1"/>
+          </a:effectRef>
+          <a:fontRef idx="minor">
+            <a:schemeClr val="lt1"/>
+          </a:fontRef>
+        </p:style>
+        <p:txBody>
+          <a:bodyPr rtlCol="0" anchor="ctr"/>
+          <a:lstStyle/>
+          <a:p>
+            <a:pPr algn="ctr"/>
+            <a:endParaRPr lang="en-US"/>
+          </a:p>
+        </p:txBody>
+      </p:sp>
+      <p:sp>
+        <p:nvSpPr>
+          <p:cNvPr id="20" name="Flowchart: Stored Data 19">
+            <a:extLst>
+              <a:ext uri="{FF2B5EF4-FFF2-40B4-BE49-F238E27FC236}">
+                <a16:creationId xmlns:a16="http://schemas.microsoft.com/office/drawing/2014/main" id="{1D943728-BC5E-4034-A77A-B96DB75A2FD5}"/>
+              </a:ext>
+            </a:extLst>
+          </p:cNvPr>
+          <p:cNvSpPr/>
+          <p:nvPr/>
+        </p:nvSpPr>
+        <p:spPr>
+          <a:xfrm rot="10800000">
+            <a:off x="8187017" y="239603"/>
+            <a:ext cx="242455" cy="1371600"/>
+          </a:xfrm>
+          <a:prstGeom prst="flowChartOnlineStorage">
+            <a:avLst/>
+          </a:prstGeom>
+          <a:solidFill>
+            <a:srgbClr val="FF0000"/>
+          </a:solidFill>
+          <a:ln>
+            <a:solidFill>
+              <a:srgbClr val="FE0000"/>
+            </a:solidFill>
+          </a:ln>
+        </p:spPr>
+        <p:style>
+          <a:lnRef idx="2">
+            <a:schemeClr val="accent1">
+              <a:shade val="50000"/>
+            </a:schemeClr>
+          </a:lnRef>
+          <a:fillRef idx="1">
+            <a:schemeClr val="accent1"/>
+          </a:fillRef>
+          <a:effectRef idx="0">
+            <a:schemeClr val="accent1"/>
+          </a:effectRef>
+          <a:fontRef idx="minor">
+            <a:schemeClr val="lt1"/>
+          </a:fontRef>
+        </p:style>
+        <p:txBody>
+          <a:bodyPr rtlCol="0" anchor="ctr"/>
+          <a:lstStyle/>
+          <a:p>
+            <a:pPr algn="ctr"/>
+            <a:endParaRPr lang="en-US"/>
           </a:p>
         </p:txBody>
       </p:sp>
@@ -7378,60 +7886,6 @@
           </a:p>
         </p:txBody>
       </p:sp>
-      <p:sp>
-        <p:nvSpPr>
-          <p:cNvPr id="19" name="Flowchart: Stored Data 18">
-            <a:extLst>
-              <a:ext uri="{FF2B5EF4-FFF2-40B4-BE49-F238E27FC236}">
-                <a16:creationId xmlns:a16="http://schemas.microsoft.com/office/drawing/2014/main" id="{21434BDC-077E-432A-B817-1C308E124339}"/>
-              </a:ext>
-            </a:extLst>
-          </p:cNvPr>
-          <p:cNvSpPr/>
-          <p:nvPr/>
-        </p:nvSpPr>
-        <p:spPr>
-          <a:xfrm rot="10800000">
-            <a:off x="9471211" y="239603"/>
-            <a:ext cx="242455" cy="1371600"/>
-          </a:xfrm>
-          <a:prstGeom prst="flowChartOnlineStorage">
-            <a:avLst/>
-          </a:prstGeom>
-          <a:solidFill>
-            <a:srgbClr val="FF0000"/>
-          </a:solidFill>
-          <a:ln>
-            <a:solidFill>
-              <a:srgbClr val="FE0000"/>
-            </a:solidFill>
-          </a:ln>
-        </p:spPr>
-        <p:style>
-          <a:lnRef idx="2">
-            <a:schemeClr val="accent1">
-              <a:shade val="50000"/>
-            </a:schemeClr>
-          </a:lnRef>
-          <a:fillRef idx="1">
-            <a:schemeClr val="accent1"/>
-          </a:fillRef>
-          <a:effectRef idx="0">
-            <a:schemeClr val="accent1"/>
-          </a:effectRef>
-          <a:fontRef idx="minor">
-            <a:schemeClr val="lt1"/>
-          </a:fontRef>
-        </p:style>
-        <p:txBody>
-          <a:bodyPr rtlCol="0" anchor="ctr"/>
-          <a:lstStyle/>
-          <a:p>
-            <a:pPr algn="ctr"/>
-            <a:endParaRPr lang="en-US"/>
-          </a:p>
-        </p:txBody>
-      </p:sp>
       <p:pic>
         <p:nvPicPr>
           <p:cNvPr id="2" name="Picture 1">
@@ -7695,6 +8149,187 @@
               </a:rPr>
               <a:t>Completely Different Ranking</a:t>
             </a:r>
+          </a:p>
+        </p:txBody>
+      </p:sp>
+      <p:sp>
+        <p:nvSpPr>
+          <p:cNvPr id="13" name="Title 1">
+            <a:extLst>
+              <a:ext uri="{FF2B5EF4-FFF2-40B4-BE49-F238E27FC236}">
+                <a16:creationId xmlns:a16="http://schemas.microsoft.com/office/drawing/2014/main" id="{F71D7FD0-2E81-4DB4-A84F-2110A94B056E}"/>
+              </a:ext>
+            </a:extLst>
+          </p:cNvPr>
+          <p:cNvSpPr txBox="1">
+            <a:spLocks/>
+          </p:cNvSpPr>
+          <p:nvPr/>
+        </p:nvSpPr>
+        <p:spPr>
+          <a:xfrm>
+            <a:off x="2528316" y="413339"/>
+            <a:ext cx="10506456" cy="1197864"/>
+          </a:xfrm>
+          <a:prstGeom prst="rect">
+            <a:avLst/>
+          </a:prstGeom>
+          <a:solidFill>
+            <a:schemeClr val="bg1"/>
+          </a:solidFill>
+          <a:ln w="44450" cmpd="thinThick">
+            <a:noFill/>
+          </a:ln>
+        </p:spPr>
+        <p:txBody>
+          <a:bodyPr vert="horz" lIns="91440" tIns="45720" rIns="91440" bIns="45720" rtlCol="0" anchor="ctr">
+            <a:normAutofit/>
+          </a:bodyPr>
+          <a:lstStyle>
+            <a:lvl1pPr algn="l" defTabSz="914400" rtl="0" eaLnBrk="1" latinLnBrk="0" hangingPunct="1">
+              <a:lnSpc>
+                <a:spcPct val="90000"/>
+              </a:lnSpc>
+              <a:spcBef>
+                <a:spcPct val="0"/>
+              </a:spcBef>
+              <a:buNone/>
+              <a:defRPr sz="4400" kern="1200">
+                <a:solidFill>
+                  <a:schemeClr val="tx1"/>
+                </a:solidFill>
+                <a:latin typeface="+mj-lt"/>
+                <a:ea typeface="+mj-ea"/>
+                <a:cs typeface="+mj-cs"/>
+              </a:defRPr>
+            </a:lvl1pPr>
+          </a:lstStyle>
+          <a:p>
+            <a:r>
+              <a:rPr lang="en-US" sz="4800" dirty="0">
+                <a:ln w="12700">
+                  <a:noFill/>
+                </a:ln>
+                <a:solidFill>
+                  <a:schemeClr val="accent6">
+                    <a:lumMod val="75000"/>
+                  </a:schemeClr>
+                </a:solidFill>
+                <a:effectLst>
+                  <a:reflection blurRad="6350" stA="53000" endA="300" endPos="35500" dir="5400000" sy="-90000" algn="bl" rotWithShape="0"/>
+                </a:effectLst>
+                <a:latin typeface="Selawik Semibold" panose="020B0702040204020203" pitchFamily="34" charset="0"/>
+              </a:rPr>
+              <a:t>Player Performance</a:t>
+            </a:r>
+          </a:p>
+        </p:txBody>
+      </p:sp>
+      <p:sp>
+        <p:nvSpPr>
+          <p:cNvPr id="14" name="Flowchart: Stored Data 13">
+            <a:extLst>
+              <a:ext uri="{FF2B5EF4-FFF2-40B4-BE49-F238E27FC236}">
+                <a16:creationId xmlns:a16="http://schemas.microsoft.com/office/drawing/2014/main" id="{DD933ED2-3077-4944-9CED-BA7543773746}"/>
+              </a:ext>
+            </a:extLst>
+          </p:cNvPr>
+          <p:cNvSpPr/>
+          <p:nvPr/>
+        </p:nvSpPr>
+        <p:spPr>
+          <a:xfrm>
+            <a:off x="2300870" y="239603"/>
+            <a:ext cx="242455" cy="1371600"/>
+          </a:xfrm>
+          <a:prstGeom prst="flowChartOnlineStorage">
+            <a:avLst/>
+          </a:prstGeom>
+          <a:solidFill>
+            <a:srgbClr val="FF0000"/>
+          </a:solidFill>
+          <a:ln>
+            <a:solidFill>
+              <a:srgbClr val="FE0000"/>
+            </a:solidFill>
+          </a:ln>
+        </p:spPr>
+        <p:style>
+          <a:lnRef idx="2">
+            <a:schemeClr val="accent1">
+              <a:shade val="50000"/>
+            </a:schemeClr>
+          </a:lnRef>
+          <a:fillRef idx="1">
+            <a:schemeClr val="accent1"/>
+          </a:fillRef>
+          <a:effectRef idx="0">
+            <a:schemeClr val="accent1"/>
+          </a:effectRef>
+          <a:fontRef idx="minor">
+            <a:schemeClr val="lt1"/>
+          </a:fontRef>
+        </p:style>
+        <p:txBody>
+          <a:bodyPr rtlCol="0" anchor="ctr"/>
+          <a:lstStyle/>
+          <a:p>
+            <a:pPr algn="ctr"/>
+            <a:endParaRPr lang="en-US"/>
+          </a:p>
+        </p:txBody>
+      </p:sp>
+      <p:sp>
+        <p:nvSpPr>
+          <p:cNvPr id="15" name="Flowchart: Stored Data 14">
+            <a:extLst>
+              <a:ext uri="{FF2B5EF4-FFF2-40B4-BE49-F238E27FC236}">
+                <a16:creationId xmlns:a16="http://schemas.microsoft.com/office/drawing/2014/main" id="{AB564494-050D-4D44-B9A2-BE0343897389}"/>
+              </a:ext>
+            </a:extLst>
+          </p:cNvPr>
+          <p:cNvSpPr/>
+          <p:nvPr/>
+        </p:nvSpPr>
+        <p:spPr>
+          <a:xfrm rot="10800000">
+            <a:off x="8187017" y="239603"/>
+            <a:ext cx="242455" cy="1371600"/>
+          </a:xfrm>
+          <a:prstGeom prst="flowChartOnlineStorage">
+            <a:avLst/>
+          </a:prstGeom>
+          <a:solidFill>
+            <a:srgbClr val="FF0000"/>
+          </a:solidFill>
+          <a:ln>
+            <a:solidFill>
+              <a:srgbClr val="FE0000"/>
+            </a:solidFill>
+          </a:ln>
+        </p:spPr>
+        <p:style>
+          <a:lnRef idx="2">
+            <a:schemeClr val="accent1">
+              <a:shade val="50000"/>
+            </a:schemeClr>
+          </a:lnRef>
+          <a:fillRef idx="1">
+            <a:schemeClr val="accent1"/>
+          </a:fillRef>
+          <a:effectRef idx="0">
+            <a:schemeClr val="accent1"/>
+          </a:effectRef>
+          <a:fontRef idx="minor">
+            <a:schemeClr val="lt1"/>
+          </a:fontRef>
+        </p:style>
+        <p:txBody>
+          <a:bodyPr rtlCol="0" anchor="ctr"/>
+          <a:lstStyle/>
+          <a:p>
+            <a:pPr algn="ctr"/>
+            <a:endParaRPr lang="en-US"/>
           </a:p>
         </p:txBody>
       </p:sp>
@@ -8152,60 +8787,6 @@
           </a:p>
         </p:txBody>
       </p:sp>
-      <p:sp>
-        <p:nvSpPr>
-          <p:cNvPr id="19" name="Flowchart: Stored Data 18">
-            <a:extLst>
-              <a:ext uri="{FF2B5EF4-FFF2-40B4-BE49-F238E27FC236}">
-                <a16:creationId xmlns:a16="http://schemas.microsoft.com/office/drawing/2014/main" id="{21434BDC-077E-432A-B817-1C308E124339}"/>
-              </a:ext>
-            </a:extLst>
-          </p:cNvPr>
-          <p:cNvSpPr/>
-          <p:nvPr/>
-        </p:nvSpPr>
-        <p:spPr>
-          <a:xfrm rot="10800000">
-            <a:off x="9471211" y="239603"/>
-            <a:ext cx="242455" cy="1371600"/>
-          </a:xfrm>
-          <a:prstGeom prst="flowChartOnlineStorage">
-            <a:avLst/>
-          </a:prstGeom>
-          <a:solidFill>
-            <a:srgbClr val="FF0000"/>
-          </a:solidFill>
-          <a:ln>
-            <a:solidFill>
-              <a:srgbClr val="FE0000"/>
-            </a:solidFill>
-          </a:ln>
-        </p:spPr>
-        <p:style>
-          <a:lnRef idx="2">
-            <a:schemeClr val="accent1">
-              <a:shade val="50000"/>
-            </a:schemeClr>
-          </a:lnRef>
-          <a:fillRef idx="1">
-            <a:schemeClr val="accent1"/>
-          </a:fillRef>
-          <a:effectRef idx="0">
-            <a:schemeClr val="accent1"/>
-          </a:effectRef>
-          <a:fontRef idx="minor">
-            <a:schemeClr val="lt1"/>
-          </a:fontRef>
-        </p:style>
-        <p:txBody>
-          <a:bodyPr rtlCol="0" anchor="ctr"/>
-          <a:lstStyle/>
-          <a:p>
-            <a:pPr algn="ctr"/>
-            <a:endParaRPr lang="en-US"/>
-          </a:p>
-        </p:txBody>
-      </p:sp>
       <p:pic>
         <p:nvPicPr>
           <p:cNvPr id="3" name="Picture 2">
@@ -8241,6 +8822,187 @@
           </a:ln>
         </p:spPr>
       </p:pic>
+      <p:sp>
+        <p:nvSpPr>
+          <p:cNvPr id="12" name="Title 1">
+            <a:extLst>
+              <a:ext uri="{FF2B5EF4-FFF2-40B4-BE49-F238E27FC236}">
+                <a16:creationId xmlns:a16="http://schemas.microsoft.com/office/drawing/2014/main" id="{D3F2F2F5-8722-4B9F-9243-106846639CC2}"/>
+              </a:ext>
+            </a:extLst>
+          </p:cNvPr>
+          <p:cNvSpPr txBox="1">
+            <a:spLocks/>
+          </p:cNvSpPr>
+          <p:nvPr/>
+        </p:nvSpPr>
+        <p:spPr>
+          <a:xfrm>
+            <a:off x="2528316" y="413339"/>
+            <a:ext cx="10506456" cy="1197864"/>
+          </a:xfrm>
+          <a:prstGeom prst="rect">
+            <a:avLst/>
+          </a:prstGeom>
+          <a:solidFill>
+            <a:schemeClr val="bg1"/>
+          </a:solidFill>
+          <a:ln w="44450" cmpd="thinThick">
+            <a:noFill/>
+          </a:ln>
+        </p:spPr>
+        <p:txBody>
+          <a:bodyPr vert="horz" lIns="91440" tIns="45720" rIns="91440" bIns="45720" rtlCol="0" anchor="ctr">
+            <a:normAutofit/>
+          </a:bodyPr>
+          <a:lstStyle>
+            <a:lvl1pPr algn="l" defTabSz="914400" rtl="0" eaLnBrk="1" latinLnBrk="0" hangingPunct="1">
+              <a:lnSpc>
+                <a:spcPct val="90000"/>
+              </a:lnSpc>
+              <a:spcBef>
+                <a:spcPct val="0"/>
+              </a:spcBef>
+              <a:buNone/>
+              <a:defRPr sz="4400" kern="1200">
+                <a:solidFill>
+                  <a:schemeClr val="tx1"/>
+                </a:solidFill>
+                <a:latin typeface="+mj-lt"/>
+                <a:ea typeface="+mj-ea"/>
+                <a:cs typeface="+mj-cs"/>
+              </a:defRPr>
+            </a:lvl1pPr>
+          </a:lstStyle>
+          <a:p>
+            <a:r>
+              <a:rPr lang="en-US" sz="4800" dirty="0">
+                <a:ln w="12700">
+                  <a:noFill/>
+                </a:ln>
+                <a:solidFill>
+                  <a:schemeClr val="accent6">
+                    <a:lumMod val="75000"/>
+                  </a:schemeClr>
+                </a:solidFill>
+                <a:effectLst>
+                  <a:reflection blurRad="6350" stA="53000" endA="300" endPos="35500" dir="5400000" sy="-90000" algn="bl" rotWithShape="0"/>
+                </a:effectLst>
+                <a:latin typeface="Selawik Semibold" panose="020B0702040204020203" pitchFamily="34" charset="0"/>
+              </a:rPr>
+              <a:t>Player Performance</a:t>
+            </a:r>
+          </a:p>
+        </p:txBody>
+      </p:sp>
+      <p:sp>
+        <p:nvSpPr>
+          <p:cNvPr id="13" name="Flowchart: Stored Data 12">
+            <a:extLst>
+              <a:ext uri="{FF2B5EF4-FFF2-40B4-BE49-F238E27FC236}">
+                <a16:creationId xmlns:a16="http://schemas.microsoft.com/office/drawing/2014/main" id="{854B386A-1767-4FBE-BEFC-87C599146109}"/>
+              </a:ext>
+            </a:extLst>
+          </p:cNvPr>
+          <p:cNvSpPr/>
+          <p:nvPr/>
+        </p:nvSpPr>
+        <p:spPr>
+          <a:xfrm>
+            <a:off x="2300870" y="239603"/>
+            <a:ext cx="242455" cy="1371600"/>
+          </a:xfrm>
+          <a:prstGeom prst="flowChartOnlineStorage">
+            <a:avLst/>
+          </a:prstGeom>
+          <a:solidFill>
+            <a:srgbClr val="FF0000"/>
+          </a:solidFill>
+          <a:ln>
+            <a:solidFill>
+              <a:srgbClr val="FE0000"/>
+            </a:solidFill>
+          </a:ln>
+        </p:spPr>
+        <p:style>
+          <a:lnRef idx="2">
+            <a:schemeClr val="accent1">
+              <a:shade val="50000"/>
+            </a:schemeClr>
+          </a:lnRef>
+          <a:fillRef idx="1">
+            <a:schemeClr val="accent1"/>
+          </a:fillRef>
+          <a:effectRef idx="0">
+            <a:schemeClr val="accent1"/>
+          </a:effectRef>
+          <a:fontRef idx="minor">
+            <a:schemeClr val="lt1"/>
+          </a:fontRef>
+        </p:style>
+        <p:txBody>
+          <a:bodyPr rtlCol="0" anchor="ctr"/>
+          <a:lstStyle/>
+          <a:p>
+            <a:pPr algn="ctr"/>
+            <a:endParaRPr lang="en-US"/>
+          </a:p>
+        </p:txBody>
+      </p:sp>
+      <p:sp>
+        <p:nvSpPr>
+          <p:cNvPr id="14" name="Flowchart: Stored Data 13">
+            <a:extLst>
+              <a:ext uri="{FF2B5EF4-FFF2-40B4-BE49-F238E27FC236}">
+                <a16:creationId xmlns:a16="http://schemas.microsoft.com/office/drawing/2014/main" id="{8A8C0F30-01FE-463B-A65B-EF986CF91554}"/>
+              </a:ext>
+            </a:extLst>
+          </p:cNvPr>
+          <p:cNvSpPr/>
+          <p:nvPr/>
+        </p:nvSpPr>
+        <p:spPr>
+          <a:xfrm rot="10800000">
+            <a:off x="8187017" y="239603"/>
+            <a:ext cx="242455" cy="1371600"/>
+          </a:xfrm>
+          <a:prstGeom prst="flowChartOnlineStorage">
+            <a:avLst/>
+          </a:prstGeom>
+          <a:solidFill>
+            <a:srgbClr val="FF0000"/>
+          </a:solidFill>
+          <a:ln>
+            <a:solidFill>
+              <a:srgbClr val="FE0000"/>
+            </a:solidFill>
+          </a:ln>
+        </p:spPr>
+        <p:style>
+          <a:lnRef idx="2">
+            <a:schemeClr val="accent1">
+              <a:shade val="50000"/>
+            </a:schemeClr>
+          </a:lnRef>
+          <a:fillRef idx="1">
+            <a:schemeClr val="accent1"/>
+          </a:fillRef>
+          <a:effectRef idx="0">
+            <a:schemeClr val="accent1"/>
+          </a:effectRef>
+          <a:fontRef idx="minor">
+            <a:schemeClr val="lt1"/>
+          </a:fontRef>
+        </p:style>
+        <p:txBody>
+          <a:bodyPr rtlCol="0" anchor="ctr"/>
+          <a:lstStyle/>
+          <a:p>
+            <a:pPr algn="ctr"/>
+            <a:endParaRPr lang="en-US"/>
+          </a:p>
+        </p:txBody>
+      </p:sp>
     </p:spTree>
     <p:extLst>
       <p:ext uri="{BB962C8B-B14F-4D97-AF65-F5344CB8AC3E}">
@@ -8529,60 +9291,6 @@
           </a:p>
         </p:txBody>
       </p:sp>
-      <p:sp>
-        <p:nvSpPr>
-          <p:cNvPr id="19" name="Flowchart: Stored Data 18">
-            <a:extLst>
-              <a:ext uri="{FF2B5EF4-FFF2-40B4-BE49-F238E27FC236}">
-                <a16:creationId xmlns:a16="http://schemas.microsoft.com/office/drawing/2014/main" id="{21434BDC-077E-432A-B817-1C308E124339}"/>
-              </a:ext>
-            </a:extLst>
-          </p:cNvPr>
-          <p:cNvSpPr/>
-          <p:nvPr/>
-        </p:nvSpPr>
-        <p:spPr>
-          <a:xfrm rot="10800000">
-            <a:off x="9471211" y="239603"/>
-            <a:ext cx="242455" cy="1371600"/>
-          </a:xfrm>
-          <a:prstGeom prst="flowChartOnlineStorage">
-            <a:avLst/>
-          </a:prstGeom>
-          <a:solidFill>
-            <a:srgbClr val="FF0000"/>
-          </a:solidFill>
-          <a:ln>
-            <a:solidFill>
-              <a:srgbClr val="FE0000"/>
-            </a:solidFill>
-          </a:ln>
-        </p:spPr>
-        <p:style>
-          <a:lnRef idx="2">
-            <a:schemeClr val="accent1">
-              <a:shade val="50000"/>
-            </a:schemeClr>
-          </a:lnRef>
-          <a:fillRef idx="1">
-            <a:schemeClr val="accent1"/>
-          </a:fillRef>
-          <a:effectRef idx="0">
-            <a:schemeClr val="accent1"/>
-          </a:effectRef>
-          <a:fontRef idx="minor">
-            <a:schemeClr val="lt1"/>
-          </a:fontRef>
-        </p:style>
-        <p:txBody>
-          <a:bodyPr rtlCol="0" anchor="ctr"/>
-          <a:lstStyle/>
-          <a:p>
-            <a:pPr algn="ctr"/>
-            <a:endParaRPr lang="en-US"/>
-          </a:p>
-        </p:txBody>
-      </p:sp>
       <p:pic>
         <p:nvPicPr>
           <p:cNvPr id="2" name="Picture 1">
@@ -8618,6 +9326,187 @@
           </a:ln>
         </p:spPr>
       </p:pic>
+      <p:sp>
+        <p:nvSpPr>
+          <p:cNvPr id="8" name="Title 1">
+            <a:extLst>
+              <a:ext uri="{FF2B5EF4-FFF2-40B4-BE49-F238E27FC236}">
+                <a16:creationId xmlns:a16="http://schemas.microsoft.com/office/drawing/2014/main" id="{2F785113-3A7A-48AC-81BF-994866ECE4C7}"/>
+              </a:ext>
+            </a:extLst>
+          </p:cNvPr>
+          <p:cNvSpPr txBox="1">
+            <a:spLocks/>
+          </p:cNvSpPr>
+          <p:nvPr/>
+        </p:nvSpPr>
+        <p:spPr>
+          <a:xfrm>
+            <a:off x="2528316" y="413339"/>
+            <a:ext cx="10506456" cy="1197864"/>
+          </a:xfrm>
+          <a:prstGeom prst="rect">
+            <a:avLst/>
+          </a:prstGeom>
+          <a:solidFill>
+            <a:schemeClr val="bg1"/>
+          </a:solidFill>
+          <a:ln w="44450" cmpd="thinThick">
+            <a:noFill/>
+          </a:ln>
+        </p:spPr>
+        <p:txBody>
+          <a:bodyPr vert="horz" lIns="91440" tIns="45720" rIns="91440" bIns="45720" rtlCol="0" anchor="ctr">
+            <a:normAutofit/>
+          </a:bodyPr>
+          <a:lstStyle>
+            <a:lvl1pPr algn="l" defTabSz="914400" rtl="0" eaLnBrk="1" latinLnBrk="0" hangingPunct="1">
+              <a:lnSpc>
+                <a:spcPct val="90000"/>
+              </a:lnSpc>
+              <a:spcBef>
+                <a:spcPct val="0"/>
+              </a:spcBef>
+              <a:buNone/>
+              <a:defRPr sz="4400" kern="1200">
+                <a:solidFill>
+                  <a:schemeClr val="tx1"/>
+                </a:solidFill>
+                <a:latin typeface="+mj-lt"/>
+                <a:ea typeface="+mj-ea"/>
+                <a:cs typeface="+mj-cs"/>
+              </a:defRPr>
+            </a:lvl1pPr>
+          </a:lstStyle>
+          <a:p>
+            <a:r>
+              <a:rPr lang="en-US" sz="4800" dirty="0">
+                <a:ln w="12700">
+                  <a:noFill/>
+                </a:ln>
+                <a:solidFill>
+                  <a:schemeClr val="accent6">
+                    <a:lumMod val="75000"/>
+                  </a:schemeClr>
+                </a:solidFill>
+                <a:effectLst>
+                  <a:reflection blurRad="6350" stA="53000" endA="300" endPos="35500" dir="5400000" sy="-90000" algn="bl" rotWithShape="0"/>
+                </a:effectLst>
+                <a:latin typeface="Selawik Semibold" panose="020B0702040204020203" pitchFamily="34" charset="0"/>
+              </a:rPr>
+              <a:t>Player Performance</a:t>
+            </a:r>
+          </a:p>
+        </p:txBody>
+      </p:sp>
+      <p:sp>
+        <p:nvSpPr>
+          <p:cNvPr id="10" name="Flowchart: Stored Data 9">
+            <a:extLst>
+              <a:ext uri="{FF2B5EF4-FFF2-40B4-BE49-F238E27FC236}">
+                <a16:creationId xmlns:a16="http://schemas.microsoft.com/office/drawing/2014/main" id="{AC81775B-404B-4D9D-966E-B30AB2341A76}"/>
+              </a:ext>
+            </a:extLst>
+          </p:cNvPr>
+          <p:cNvSpPr/>
+          <p:nvPr/>
+        </p:nvSpPr>
+        <p:spPr>
+          <a:xfrm>
+            <a:off x="2300870" y="239603"/>
+            <a:ext cx="242455" cy="1371600"/>
+          </a:xfrm>
+          <a:prstGeom prst="flowChartOnlineStorage">
+            <a:avLst/>
+          </a:prstGeom>
+          <a:solidFill>
+            <a:srgbClr val="FF0000"/>
+          </a:solidFill>
+          <a:ln>
+            <a:solidFill>
+              <a:srgbClr val="FE0000"/>
+            </a:solidFill>
+          </a:ln>
+        </p:spPr>
+        <p:style>
+          <a:lnRef idx="2">
+            <a:schemeClr val="accent1">
+              <a:shade val="50000"/>
+            </a:schemeClr>
+          </a:lnRef>
+          <a:fillRef idx="1">
+            <a:schemeClr val="accent1"/>
+          </a:fillRef>
+          <a:effectRef idx="0">
+            <a:schemeClr val="accent1"/>
+          </a:effectRef>
+          <a:fontRef idx="minor">
+            <a:schemeClr val="lt1"/>
+          </a:fontRef>
+        </p:style>
+        <p:txBody>
+          <a:bodyPr rtlCol="0" anchor="ctr"/>
+          <a:lstStyle/>
+          <a:p>
+            <a:pPr algn="ctr"/>
+            <a:endParaRPr lang="en-US"/>
+          </a:p>
+        </p:txBody>
+      </p:sp>
+      <p:sp>
+        <p:nvSpPr>
+          <p:cNvPr id="12" name="Flowchart: Stored Data 11">
+            <a:extLst>
+              <a:ext uri="{FF2B5EF4-FFF2-40B4-BE49-F238E27FC236}">
+                <a16:creationId xmlns:a16="http://schemas.microsoft.com/office/drawing/2014/main" id="{0CB6BAEE-EC15-4E5D-BD9B-A533FC3C6DE0}"/>
+              </a:ext>
+            </a:extLst>
+          </p:cNvPr>
+          <p:cNvSpPr/>
+          <p:nvPr/>
+        </p:nvSpPr>
+        <p:spPr>
+          <a:xfrm rot="10800000">
+            <a:off x="8187017" y="239603"/>
+            <a:ext cx="242455" cy="1371600"/>
+          </a:xfrm>
+          <a:prstGeom prst="flowChartOnlineStorage">
+            <a:avLst/>
+          </a:prstGeom>
+          <a:solidFill>
+            <a:srgbClr val="FF0000"/>
+          </a:solidFill>
+          <a:ln>
+            <a:solidFill>
+              <a:srgbClr val="FE0000"/>
+            </a:solidFill>
+          </a:ln>
+        </p:spPr>
+        <p:style>
+          <a:lnRef idx="2">
+            <a:schemeClr val="accent1">
+              <a:shade val="50000"/>
+            </a:schemeClr>
+          </a:lnRef>
+          <a:fillRef idx="1">
+            <a:schemeClr val="accent1"/>
+          </a:fillRef>
+          <a:effectRef idx="0">
+            <a:schemeClr val="accent1"/>
+          </a:effectRef>
+          <a:fontRef idx="minor">
+            <a:schemeClr val="lt1"/>
+          </a:fontRef>
+        </p:style>
+        <p:txBody>
+          <a:bodyPr rtlCol="0" anchor="ctr"/>
+          <a:lstStyle/>
+          <a:p>
+            <a:pPr algn="ctr"/>
+            <a:endParaRPr lang="en-US"/>
+          </a:p>
+        </p:txBody>
+      </p:sp>
     </p:spTree>
     <p:extLst>
       <p:ext uri="{BB962C8B-B14F-4D97-AF65-F5344CB8AC3E}">
@@ -8938,60 +9827,6 @@
           </a:p>
         </p:txBody>
       </p:sp>
-      <p:sp>
-        <p:nvSpPr>
-          <p:cNvPr id="19" name="Flowchart: Stored Data 18">
-            <a:extLst>
-              <a:ext uri="{FF2B5EF4-FFF2-40B4-BE49-F238E27FC236}">
-                <a16:creationId xmlns:a16="http://schemas.microsoft.com/office/drawing/2014/main" id="{21434BDC-077E-432A-B817-1C308E124339}"/>
-              </a:ext>
-            </a:extLst>
-          </p:cNvPr>
-          <p:cNvSpPr/>
-          <p:nvPr/>
-        </p:nvSpPr>
-        <p:spPr>
-          <a:xfrm rot="10800000">
-            <a:off x="9471211" y="239603"/>
-            <a:ext cx="242455" cy="1371600"/>
-          </a:xfrm>
-          <a:prstGeom prst="flowChartOnlineStorage">
-            <a:avLst/>
-          </a:prstGeom>
-          <a:solidFill>
-            <a:srgbClr val="FF0000"/>
-          </a:solidFill>
-          <a:ln>
-            <a:solidFill>
-              <a:srgbClr val="FE0000"/>
-            </a:solidFill>
-          </a:ln>
-        </p:spPr>
-        <p:style>
-          <a:lnRef idx="2">
-            <a:schemeClr val="accent1">
-              <a:shade val="50000"/>
-            </a:schemeClr>
-          </a:lnRef>
-          <a:fillRef idx="1">
-            <a:schemeClr val="accent1"/>
-          </a:fillRef>
-          <a:effectRef idx="0">
-            <a:schemeClr val="accent1"/>
-          </a:effectRef>
-          <a:fontRef idx="minor">
-            <a:schemeClr val="lt1"/>
-          </a:fontRef>
-        </p:style>
-        <p:txBody>
-          <a:bodyPr rtlCol="0" anchor="ctr"/>
-          <a:lstStyle/>
-          <a:p>
-            <a:pPr algn="ctr"/>
-            <a:endParaRPr lang="en-US"/>
-          </a:p>
-        </p:txBody>
-      </p:sp>
       <p:pic>
         <p:nvPicPr>
           <p:cNvPr id="2" name="Picture 1">
@@ -9201,6 +10036,187 @@
           </a:fontRef>
         </p:style>
       </p:cxnSp>
+      <p:sp>
+        <p:nvSpPr>
+          <p:cNvPr id="16" name="Title 1">
+            <a:extLst>
+              <a:ext uri="{FF2B5EF4-FFF2-40B4-BE49-F238E27FC236}">
+                <a16:creationId xmlns:a16="http://schemas.microsoft.com/office/drawing/2014/main" id="{8A099903-B7E2-4E2E-8808-ED7FBA93A116}"/>
+              </a:ext>
+            </a:extLst>
+          </p:cNvPr>
+          <p:cNvSpPr txBox="1">
+            <a:spLocks/>
+          </p:cNvSpPr>
+          <p:nvPr/>
+        </p:nvSpPr>
+        <p:spPr>
+          <a:xfrm>
+            <a:off x="2528316" y="413339"/>
+            <a:ext cx="10506456" cy="1197864"/>
+          </a:xfrm>
+          <a:prstGeom prst="rect">
+            <a:avLst/>
+          </a:prstGeom>
+          <a:solidFill>
+            <a:schemeClr val="bg1"/>
+          </a:solidFill>
+          <a:ln w="44450" cmpd="thinThick">
+            <a:noFill/>
+          </a:ln>
+        </p:spPr>
+        <p:txBody>
+          <a:bodyPr vert="horz" lIns="91440" tIns="45720" rIns="91440" bIns="45720" rtlCol="0" anchor="ctr">
+            <a:normAutofit/>
+          </a:bodyPr>
+          <a:lstStyle>
+            <a:lvl1pPr algn="l" defTabSz="914400" rtl="0" eaLnBrk="1" latinLnBrk="0" hangingPunct="1">
+              <a:lnSpc>
+                <a:spcPct val="90000"/>
+              </a:lnSpc>
+              <a:spcBef>
+                <a:spcPct val="0"/>
+              </a:spcBef>
+              <a:buNone/>
+              <a:defRPr sz="4400" kern="1200">
+                <a:solidFill>
+                  <a:schemeClr val="tx1"/>
+                </a:solidFill>
+                <a:latin typeface="+mj-lt"/>
+                <a:ea typeface="+mj-ea"/>
+                <a:cs typeface="+mj-cs"/>
+              </a:defRPr>
+            </a:lvl1pPr>
+          </a:lstStyle>
+          <a:p>
+            <a:r>
+              <a:rPr lang="en-US" sz="4800" dirty="0">
+                <a:ln w="12700">
+                  <a:noFill/>
+                </a:ln>
+                <a:solidFill>
+                  <a:schemeClr val="accent6">
+                    <a:lumMod val="75000"/>
+                  </a:schemeClr>
+                </a:solidFill>
+                <a:effectLst>
+                  <a:reflection blurRad="6350" stA="53000" endA="300" endPos="35500" dir="5400000" sy="-90000" algn="bl" rotWithShape="0"/>
+                </a:effectLst>
+                <a:latin typeface="Selawik Semibold" panose="020B0702040204020203" pitchFamily="34" charset="0"/>
+              </a:rPr>
+              <a:t>Player Performance</a:t>
+            </a:r>
+          </a:p>
+        </p:txBody>
+      </p:sp>
+      <p:sp>
+        <p:nvSpPr>
+          <p:cNvPr id="20" name="Flowchart: Stored Data 19">
+            <a:extLst>
+              <a:ext uri="{FF2B5EF4-FFF2-40B4-BE49-F238E27FC236}">
+                <a16:creationId xmlns:a16="http://schemas.microsoft.com/office/drawing/2014/main" id="{0BB2190B-439A-4411-B14F-075F7588CCA3}"/>
+              </a:ext>
+            </a:extLst>
+          </p:cNvPr>
+          <p:cNvSpPr/>
+          <p:nvPr/>
+        </p:nvSpPr>
+        <p:spPr>
+          <a:xfrm>
+            <a:off x="2300870" y="239603"/>
+            <a:ext cx="242455" cy="1371600"/>
+          </a:xfrm>
+          <a:prstGeom prst="flowChartOnlineStorage">
+            <a:avLst/>
+          </a:prstGeom>
+          <a:solidFill>
+            <a:srgbClr val="FF0000"/>
+          </a:solidFill>
+          <a:ln>
+            <a:solidFill>
+              <a:srgbClr val="FE0000"/>
+            </a:solidFill>
+          </a:ln>
+        </p:spPr>
+        <p:style>
+          <a:lnRef idx="2">
+            <a:schemeClr val="accent1">
+              <a:shade val="50000"/>
+            </a:schemeClr>
+          </a:lnRef>
+          <a:fillRef idx="1">
+            <a:schemeClr val="accent1"/>
+          </a:fillRef>
+          <a:effectRef idx="0">
+            <a:schemeClr val="accent1"/>
+          </a:effectRef>
+          <a:fontRef idx="minor">
+            <a:schemeClr val="lt1"/>
+          </a:fontRef>
+        </p:style>
+        <p:txBody>
+          <a:bodyPr rtlCol="0" anchor="ctr"/>
+          <a:lstStyle/>
+          <a:p>
+            <a:pPr algn="ctr"/>
+            <a:endParaRPr lang="en-US"/>
+          </a:p>
+        </p:txBody>
+      </p:sp>
+      <p:sp>
+        <p:nvSpPr>
+          <p:cNvPr id="21" name="Flowchart: Stored Data 20">
+            <a:extLst>
+              <a:ext uri="{FF2B5EF4-FFF2-40B4-BE49-F238E27FC236}">
+                <a16:creationId xmlns:a16="http://schemas.microsoft.com/office/drawing/2014/main" id="{03AA1707-3C1D-4CDD-8513-EF0787A12BF8}"/>
+              </a:ext>
+            </a:extLst>
+          </p:cNvPr>
+          <p:cNvSpPr/>
+          <p:nvPr/>
+        </p:nvSpPr>
+        <p:spPr>
+          <a:xfrm rot="10800000">
+            <a:off x="8187017" y="239603"/>
+            <a:ext cx="242455" cy="1371600"/>
+          </a:xfrm>
+          <a:prstGeom prst="flowChartOnlineStorage">
+            <a:avLst/>
+          </a:prstGeom>
+          <a:solidFill>
+            <a:srgbClr val="FF0000"/>
+          </a:solidFill>
+          <a:ln>
+            <a:solidFill>
+              <a:srgbClr val="FE0000"/>
+            </a:solidFill>
+          </a:ln>
+        </p:spPr>
+        <p:style>
+          <a:lnRef idx="2">
+            <a:schemeClr val="accent1">
+              <a:shade val="50000"/>
+            </a:schemeClr>
+          </a:lnRef>
+          <a:fillRef idx="1">
+            <a:schemeClr val="accent1"/>
+          </a:fillRef>
+          <a:effectRef idx="0">
+            <a:schemeClr val="accent1"/>
+          </a:effectRef>
+          <a:fontRef idx="minor">
+            <a:schemeClr val="lt1"/>
+          </a:fontRef>
+        </p:style>
+        <p:txBody>
+          <a:bodyPr rtlCol="0" anchor="ctr"/>
+          <a:lstStyle/>
+          <a:p>
+            <a:pPr algn="ctr"/>
+            <a:endParaRPr lang="en-US"/>
+          </a:p>
+        </p:txBody>
+      </p:sp>
     </p:spTree>
     <p:extLst>
       <p:ext uri="{BB962C8B-B14F-4D97-AF65-F5344CB8AC3E}">
@@ -9521,60 +10537,6 @@
           </a:p>
         </p:txBody>
       </p:sp>
-      <p:sp>
-        <p:nvSpPr>
-          <p:cNvPr id="19" name="Flowchart: Stored Data 18">
-            <a:extLst>
-              <a:ext uri="{FF2B5EF4-FFF2-40B4-BE49-F238E27FC236}">
-                <a16:creationId xmlns:a16="http://schemas.microsoft.com/office/drawing/2014/main" id="{21434BDC-077E-432A-B817-1C308E124339}"/>
-              </a:ext>
-            </a:extLst>
-          </p:cNvPr>
-          <p:cNvSpPr/>
-          <p:nvPr/>
-        </p:nvSpPr>
-        <p:spPr>
-          <a:xfrm rot="10800000">
-            <a:off x="9471211" y="239603"/>
-            <a:ext cx="242455" cy="1371600"/>
-          </a:xfrm>
-          <a:prstGeom prst="flowChartOnlineStorage">
-            <a:avLst/>
-          </a:prstGeom>
-          <a:solidFill>
-            <a:srgbClr val="FF0000"/>
-          </a:solidFill>
-          <a:ln>
-            <a:solidFill>
-              <a:srgbClr val="FE0000"/>
-            </a:solidFill>
-          </a:ln>
-        </p:spPr>
-        <p:style>
-          <a:lnRef idx="2">
-            <a:schemeClr val="accent1">
-              <a:shade val="50000"/>
-            </a:schemeClr>
-          </a:lnRef>
-          <a:fillRef idx="1">
-            <a:schemeClr val="accent1"/>
-          </a:fillRef>
-          <a:effectRef idx="0">
-            <a:schemeClr val="accent1"/>
-          </a:effectRef>
-          <a:fontRef idx="minor">
-            <a:schemeClr val="lt1"/>
-          </a:fontRef>
-        </p:style>
-        <p:txBody>
-          <a:bodyPr rtlCol="0" anchor="ctr"/>
-          <a:lstStyle/>
-          <a:p>
-            <a:pPr algn="ctr"/>
-            <a:endParaRPr lang="en-US"/>
-          </a:p>
-        </p:txBody>
-      </p:sp>
       <p:pic>
         <p:nvPicPr>
           <p:cNvPr id="3" name="Picture 2">
@@ -9690,6 +10652,187 @@
               </a:rPr>
               <a:t>2013-2014 Season</a:t>
             </a:r>
+          </a:p>
+        </p:txBody>
+      </p:sp>
+      <p:sp>
+        <p:nvSpPr>
+          <p:cNvPr id="12" name="Title 1">
+            <a:extLst>
+              <a:ext uri="{FF2B5EF4-FFF2-40B4-BE49-F238E27FC236}">
+                <a16:creationId xmlns:a16="http://schemas.microsoft.com/office/drawing/2014/main" id="{F0F9068C-F937-4510-882B-01F189905D46}"/>
+              </a:ext>
+            </a:extLst>
+          </p:cNvPr>
+          <p:cNvSpPr txBox="1">
+            <a:spLocks/>
+          </p:cNvSpPr>
+          <p:nvPr/>
+        </p:nvSpPr>
+        <p:spPr>
+          <a:xfrm>
+            <a:off x="2528316" y="413339"/>
+            <a:ext cx="10506456" cy="1197864"/>
+          </a:xfrm>
+          <a:prstGeom prst="rect">
+            <a:avLst/>
+          </a:prstGeom>
+          <a:solidFill>
+            <a:schemeClr val="bg1"/>
+          </a:solidFill>
+          <a:ln w="44450" cmpd="thinThick">
+            <a:noFill/>
+          </a:ln>
+        </p:spPr>
+        <p:txBody>
+          <a:bodyPr vert="horz" lIns="91440" tIns="45720" rIns="91440" bIns="45720" rtlCol="0" anchor="ctr">
+            <a:normAutofit/>
+          </a:bodyPr>
+          <a:lstStyle>
+            <a:lvl1pPr algn="l" defTabSz="914400" rtl="0" eaLnBrk="1" latinLnBrk="0" hangingPunct="1">
+              <a:lnSpc>
+                <a:spcPct val="90000"/>
+              </a:lnSpc>
+              <a:spcBef>
+                <a:spcPct val="0"/>
+              </a:spcBef>
+              <a:buNone/>
+              <a:defRPr sz="4400" kern="1200">
+                <a:solidFill>
+                  <a:schemeClr val="tx1"/>
+                </a:solidFill>
+                <a:latin typeface="+mj-lt"/>
+                <a:ea typeface="+mj-ea"/>
+                <a:cs typeface="+mj-cs"/>
+              </a:defRPr>
+            </a:lvl1pPr>
+          </a:lstStyle>
+          <a:p>
+            <a:r>
+              <a:rPr lang="en-US" sz="4800" dirty="0">
+                <a:ln w="12700">
+                  <a:noFill/>
+                </a:ln>
+                <a:solidFill>
+                  <a:schemeClr val="accent6">
+                    <a:lumMod val="75000"/>
+                  </a:schemeClr>
+                </a:solidFill>
+                <a:effectLst>
+                  <a:reflection blurRad="6350" stA="53000" endA="300" endPos="35500" dir="5400000" sy="-90000" algn="bl" rotWithShape="0"/>
+                </a:effectLst>
+                <a:latin typeface="Selawik Semibold" panose="020B0702040204020203" pitchFamily="34" charset="0"/>
+              </a:rPr>
+              <a:t>Player Performance</a:t>
+            </a:r>
+          </a:p>
+        </p:txBody>
+      </p:sp>
+      <p:sp>
+        <p:nvSpPr>
+          <p:cNvPr id="13" name="Flowchart: Stored Data 12">
+            <a:extLst>
+              <a:ext uri="{FF2B5EF4-FFF2-40B4-BE49-F238E27FC236}">
+                <a16:creationId xmlns:a16="http://schemas.microsoft.com/office/drawing/2014/main" id="{1398C45D-A1F3-4DFD-A541-9479348793E6}"/>
+              </a:ext>
+            </a:extLst>
+          </p:cNvPr>
+          <p:cNvSpPr/>
+          <p:nvPr/>
+        </p:nvSpPr>
+        <p:spPr>
+          <a:xfrm>
+            <a:off x="2300870" y="239603"/>
+            <a:ext cx="242455" cy="1371600"/>
+          </a:xfrm>
+          <a:prstGeom prst="flowChartOnlineStorage">
+            <a:avLst/>
+          </a:prstGeom>
+          <a:solidFill>
+            <a:srgbClr val="FF0000"/>
+          </a:solidFill>
+          <a:ln>
+            <a:solidFill>
+              <a:srgbClr val="FE0000"/>
+            </a:solidFill>
+          </a:ln>
+        </p:spPr>
+        <p:style>
+          <a:lnRef idx="2">
+            <a:schemeClr val="accent1">
+              <a:shade val="50000"/>
+            </a:schemeClr>
+          </a:lnRef>
+          <a:fillRef idx="1">
+            <a:schemeClr val="accent1"/>
+          </a:fillRef>
+          <a:effectRef idx="0">
+            <a:schemeClr val="accent1"/>
+          </a:effectRef>
+          <a:fontRef idx="minor">
+            <a:schemeClr val="lt1"/>
+          </a:fontRef>
+        </p:style>
+        <p:txBody>
+          <a:bodyPr rtlCol="0" anchor="ctr"/>
+          <a:lstStyle/>
+          <a:p>
+            <a:pPr algn="ctr"/>
+            <a:endParaRPr lang="en-US"/>
+          </a:p>
+        </p:txBody>
+      </p:sp>
+      <p:sp>
+        <p:nvSpPr>
+          <p:cNvPr id="14" name="Flowchart: Stored Data 13">
+            <a:extLst>
+              <a:ext uri="{FF2B5EF4-FFF2-40B4-BE49-F238E27FC236}">
+                <a16:creationId xmlns:a16="http://schemas.microsoft.com/office/drawing/2014/main" id="{FE1BE085-1DE6-412B-B941-8BA441F4925F}"/>
+              </a:ext>
+            </a:extLst>
+          </p:cNvPr>
+          <p:cNvSpPr/>
+          <p:nvPr/>
+        </p:nvSpPr>
+        <p:spPr>
+          <a:xfrm rot="10800000">
+            <a:off x="8187017" y="239603"/>
+            <a:ext cx="242455" cy="1371600"/>
+          </a:xfrm>
+          <a:prstGeom prst="flowChartOnlineStorage">
+            <a:avLst/>
+          </a:prstGeom>
+          <a:solidFill>
+            <a:srgbClr val="FF0000"/>
+          </a:solidFill>
+          <a:ln>
+            <a:solidFill>
+              <a:srgbClr val="FE0000"/>
+            </a:solidFill>
+          </a:ln>
+        </p:spPr>
+        <p:style>
+          <a:lnRef idx="2">
+            <a:schemeClr val="accent1">
+              <a:shade val="50000"/>
+            </a:schemeClr>
+          </a:lnRef>
+          <a:fillRef idx="1">
+            <a:schemeClr val="accent1"/>
+          </a:fillRef>
+          <a:effectRef idx="0">
+            <a:schemeClr val="accent1"/>
+          </a:effectRef>
+          <a:fontRef idx="minor">
+            <a:schemeClr val="lt1"/>
+          </a:fontRef>
+        </p:style>
+        <p:txBody>
+          <a:bodyPr rtlCol="0" anchor="ctr"/>
+          <a:lstStyle/>
+          <a:p>
+            <a:pPr algn="ctr"/>
+            <a:endParaRPr lang="en-US"/>
           </a:p>
         </p:txBody>
       </p:sp>
@@ -10072,7 +11215,7 @@
         </p:nvSpPr>
         <p:spPr>
           <a:xfrm>
-            <a:off x="5311589" y="4397189"/>
+            <a:off x="5311589" y="3751730"/>
             <a:ext cx="6755383" cy="3993293"/>
           </a:xfrm>
         </p:spPr>
@@ -10102,6 +11245,25 @@
               </a:rPr>
               <a:t>I will personally challenge anyone who wants to get rid of fighting to a fight.</a:t>
             </a:r>
+          </a:p>
+          <a:p>
+            <a:pPr algn="r"/>
+            <a:endParaRPr lang="en-US" sz="4000" b="1" spc="50" dirty="0">
+              <a:ln w="0"/>
+              <a:solidFill>
+                <a:schemeClr val="accent6">
+                  <a:lumMod val="75000"/>
+                </a:schemeClr>
+              </a:solidFill>
+              <a:effectLst>
+                <a:innerShdw blurRad="63500" dist="50800" dir="13500000">
+                  <a:srgbClr val="000000">
+                    <a:alpha val="50000"/>
+                  </a:srgbClr>
+                </a:innerShdw>
+              </a:effectLst>
+              <a:latin typeface="Selawik Semibold" panose="020B0702040204020203" pitchFamily="34" charset="0"/>
+            </a:endParaRPr>
           </a:p>
           <a:p>
             <a:pPr algn="r"/>
@@ -11018,7 +12180,7 @@
                 </a:effectLst>
                 <a:latin typeface="Selawik Semibold" panose="020B0702040204020203" pitchFamily="34" charset="0"/>
               </a:rPr>
-              <a:t>PLAYER PERFORMANCE</a:t>
+              <a:t>Player Performance</a:t>
             </a:r>
           </a:p>
         </p:txBody>
@@ -11091,7 +12253,7 @@
         </p:nvSpPr>
         <p:spPr>
           <a:xfrm rot="10800000">
-            <a:off x="9471211" y="239603"/>
+            <a:off x="8187017" y="239603"/>
             <a:ext cx="242455" cy="1371600"/>
           </a:xfrm>
           <a:prstGeom prst="flowChartOnlineStorage">
@@ -11614,10 +12776,83 @@
       </p:sp>
       <p:sp>
         <p:nvSpPr>
-          <p:cNvPr id="19" name="Flowchart: Stored Data 18">
-            <a:extLst>
-              <a:ext uri="{FF2B5EF4-FFF2-40B4-BE49-F238E27FC236}">
-                <a16:creationId xmlns:a16="http://schemas.microsoft.com/office/drawing/2014/main" id="{21434BDC-077E-432A-B817-1C308E124339}"/>
+          <p:cNvPr id="8" name="Title 1">
+            <a:extLst>
+              <a:ext uri="{FF2B5EF4-FFF2-40B4-BE49-F238E27FC236}">
+                <a16:creationId xmlns:a16="http://schemas.microsoft.com/office/drawing/2014/main" id="{282D16AE-2EEB-4567-872A-BA5074D5F668}"/>
+              </a:ext>
+            </a:extLst>
+          </p:cNvPr>
+          <p:cNvSpPr txBox="1">
+            <a:spLocks/>
+          </p:cNvSpPr>
+          <p:nvPr/>
+        </p:nvSpPr>
+        <p:spPr>
+          <a:xfrm>
+            <a:off x="2528316" y="413339"/>
+            <a:ext cx="10506456" cy="1197864"/>
+          </a:xfrm>
+          <a:prstGeom prst="rect">
+            <a:avLst/>
+          </a:prstGeom>
+          <a:solidFill>
+            <a:schemeClr val="bg1"/>
+          </a:solidFill>
+          <a:ln w="44450" cmpd="thinThick">
+            <a:noFill/>
+          </a:ln>
+        </p:spPr>
+        <p:txBody>
+          <a:bodyPr vert="horz" lIns="91440" tIns="45720" rIns="91440" bIns="45720" rtlCol="0" anchor="ctr">
+            <a:normAutofit/>
+          </a:bodyPr>
+          <a:lstStyle>
+            <a:lvl1pPr algn="l" defTabSz="914400" rtl="0" eaLnBrk="1" latinLnBrk="0" hangingPunct="1">
+              <a:lnSpc>
+                <a:spcPct val="90000"/>
+              </a:lnSpc>
+              <a:spcBef>
+                <a:spcPct val="0"/>
+              </a:spcBef>
+              <a:buNone/>
+              <a:defRPr sz="4400" kern="1200">
+                <a:solidFill>
+                  <a:schemeClr val="tx1"/>
+                </a:solidFill>
+                <a:latin typeface="+mj-lt"/>
+                <a:ea typeface="+mj-ea"/>
+                <a:cs typeface="+mj-cs"/>
+              </a:defRPr>
+            </a:lvl1pPr>
+          </a:lstStyle>
+          <a:p>
+            <a:r>
+              <a:rPr lang="en-US" sz="4800" dirty="0">
+                <a:ln w="12700">
+                  <a:noFill/>
+                </a:ln>
+                <a:solidFill>
+                  <a:schemeClr val="accent6">
+                    <a:lumMod val="75000"/>
+                  </a:schemeClr>
+                </a:solidFill>
+                <a:effectLst>
+                  <a:reflection blurRad="6350" stA="53000" endA="300" endPos="35500" dir="5400000" sy="-90000" algn="bl" rotWithShape="0"/>
+                </a:effectLst>
+                <a:latin typeface="Selawik Semibold" panose="020B0702040204020203" pitchFamily="34" charset="0"/>
+              </a:rPr>
+              <a:t>Player Performance</a:t>
+            </a:r>
+          </a:p>
+        </p:txBody>
+      </p:sp>
+      <p:sp>
+        <p:nvSpPr>
+          <p:cNvPr id="12" name="Flowchart: Stored Data 11">
+            <a:extLst>
+              <a:ext uri="{FF2B5EF4-FFF2-40B4-BE49-F238E27FC236}">
+                <a16:creationId xmlns:a16="http://schemas.microsoft.com/office/drawing/2014/main" id="{DB2FB8A5-0DC9-4475-8837-E38450C03282}"/>
               </a:ext>
             </a:extLst>
           </p:cNvPr>
@@ -11625,8 +12860,62 @@
           <p:nvPr/>
         </p:nvSpPr>
         <p:spPr>
+          <a:xfrm>
+            <a:off x="2300870" y="239603"/>
+            <a:ext cx="242455" cy="1371600"/>
+          </a:xfrm>
+          <a:prstGeom prst="flowChartOnlineStorage">
+            <a:avLst/>
+          </a:prstGeom>
+          <a:solidFill>
+            <a:srgbClr val="FF0000"/>
+          </a:solidFill>
+          <a:ln>
+            <a:solidFill>
+              <a:srgbClr val="FE0000"/>
+            </a:solidFill>
+          </a:ln>
+        </p:spPr>
+        <p:style>
+          <a:lnRef idx="2">
+            <a:schemeClr val="accent1">
+              <a:shade val="50000"/>
+            </a:schemeClr>
+          </a:lnRef>
+          <a:fillRef idx="1">
+            <a:schemeClr val="accent1"/>
+          </a:fillRef>
+          <a:effectRef idx="0">
+            <a:schemeClr val="accent1"/>
+          </a:effectRef>
+          <a:fontRef idx="minor">
+            <a:schemeClr val="lt1"/>
+          </a:fontRef>
+        </p:style>
+        <p:txBody>
+          <a:bodyPr rtlCol="0" anchor="ctr"/>
+          <a:lstStyle/>
+          <a:p>
+            <a:pPr algn="ctr"/>
+            <a:endParaRPr lang="en-US"/>
+          </a:p>
+        </p:txBody>
+      </p:sp>
+      <p:sp>
+        <p:nvSpPr>
+          <p:cNvPr id="13" name="Flowchart: Stored Data 12">
+            <a:extLst>
+              <a:ext uri="{FF2B5EF4-FFF2-40B4-BE49-F238E27FC236}">
+                <a16:creationId xmlns:a16="http://schemas.microsoft.com/office/drawing/2014/main" id="{29F46636-EAD9-46E3-876C-C4F2795E4B75}"/>
+              </a:ext>
+            </a:extLst>
+          </p:cNvPr>
+          <p:cNvSpPr/>
+          <p:nvPr/>
+        </p:nvSpPr>
+        <p:spPr>
           <a:xfrm rot="10800000">
-            <a:off x="9471211" y="239603"/>
+            <a:off x="8187017" y="239603"/>
             <a:ext cx="242455" cy="1371600"/>
           </a:xfrm>
           <a:prstGeom prst="flowChartOnlineStorage">
@@ -12212,10 +13501,83 @@
       </p:sp>
       <p:sp>
         <p:nvSpPr>
-          <p:cNvPr id="19" name="Flowchart: Stored Data 18">
-            <a:extLst>
-              <a:ext uri="{FF2B5EF4-FFF2-40B4-BE49-F238E27FC236}">
-                <a16:creationId xmlns:a16="http://schemas.microsoft.com/office/drawing/2014/main" id="{21434BDC-077E-432A-B817-1C308E124339}"/>
+          <p:cNvPr id="8" name="Title 1">
+            <a:extLst>
+              <a:ext uri="{FF2B5EF4-FFF2-40B4-BE49-F238E27FC236}">
+                <a16:creationId xmlns:a16="http://schemas.microsoft.com/office/drawing/2014/main" id="{1CCB40B8-99C3-4B45-AED3-8DE047C2D534}"/>
+              </a:ext>
+            </a:extLst>
+          </p:cNvPr>
+          <p:cNvSpPr txBox="1">
+            <a:spLocks/>
+          </p:cNvSpPr>
+          <p:nvPr/>
+        </p:nvSpPr>
+        <p:spPr>
+          <a:xfrm>
+            <a:off x="2528316" y="413339"/>
+            <a:ext cx="10506456" cy="1197864"/>
+          </a:xfrm>
+          <a:prstGeom prst="rect">
+            <a:avLst/>
+          </a:prstGeom>
+          <a:solidFill>
+            <a:schemeClr val="bg1"/>
+          </a:solidFill>
+          <a:ln w="44450" cmpd="thinThick">
+            <a:noFill/>
+          </a:ln>
+        </p:spPr>
+        <p:txBody>
+          <a:bodyPr vert="horz" lIns="91440" tIns="45720" rIns="91440" bIns="45720" rtlCol="0" anchor="ctr">
+            <a:normAutofit/>
+          </a:bodyPr>
+          <a:lstStyle>
+            <a:lvl1pPr algn="l" defTabSz="914400" rtl="0" eaLnBrk="1" latinLnBrk="0" hangingPunct="1">
+              <a:lnSpc>
+                <a:spcPct val="90000"/>
+              </a:lnSpc>
+              <a:spcBef>
+                <a:spcPct val="0"/>
+              </a:spcBef>
+              <a:buNone/>
+              <a:defRPr sz="4400" kern="1200">
+                <a:solidFill>
+                  <a:schemeClr val="tx1"/>
+                </a:solidFill>
+                <a:latin typeface="+mj-lt"/>
+                <a:ea typeface="+mj-ea"/>
+                <a:cs typeface="+mj-cs"/>
+              </a:defRPr>
+            </a:lvl1pPr>
+          </a:lstStyle>
+          <a:p>
+            <a:r>
+              <a:rPr lang="en-US" sz="4800" dirty="0">
+                <a:ln w="12700">
+                  <a:noFill/>
+                </a:ln>
+                <a:solidFill>
+                  <a:schemeClr val="accent6">
+                    <a:lumMod val="75000"/>
+                  </a:schemeClr>
+                </a:solidFill>
+                <a:effectLst>
+                  <a:reflection blurRad="6350" stA="53000" endA="300" endPos="35500" dir="5400000" sy="-90000" algn="bl" rotWithShape="0"/>
+                </a:effectLst>
+                <a:latin typeface="Selawik Semibold" panose="020B0702040204020203" pitchFamily="34" charset="0"/>
+              </a:rPr>
+              <a:t>Player Performance</a:t>
+            </a:r>
+          </a:p>
+        </p:txBody>
+      </p:sp>
+      <p:sp>
+        <p:nvSpPr>
+          <p:cNvPr id="12" name="Flowchart: Stored Data 11">
+            <a:extLst>
+              <a:ext uri="{FF2B5EF4-FFF2-40B4-BE49-F238E27FC236}">
+                <a16:creationId xmlns:a16="http://schemas.microsoft.com/office/drawing/2014/main" id="{9A0DAE45-0C9D-4897-8C66-B3D46753EC2B}"/>
               </a:ext>
             </a:extLst>
           </p:cNvPr>
@@ -12223,8 +13585,62 @@
           <p:nvPr/>
         </p:nvSpPr>
         <p:spPr>
+          <a:xfrm>
+            <a:off x="2300870" y="239603"/>
+            <a:ext cx="242455" cy="1371600"/>
+          </a:xfrm>
+          <a:prstGeom prst="flowChartOnlineStorage">
+            <a:avLst/>
+          </a:prstGeom>
+          <a:solidFill>
+            <a:srgbClr val="FF0000"/>
+          </a:solidFill>
+          <a:ln>
+            <a:solidFill>
+              <a:srgbClr val="FE0000"/>
+            </a:solidFill>
+          </a:ln>
+        </p:spPr>
+        <p:style>
+          <a:lnRef idx="2">
+            <a:schemeClr val="accent1">
+              <a:shade val="50000"/>
+            </a:schemeClr>
+          </a:lnRef>
+          <a:fillRef idx="1">
+            <a:schemeClr val="accent1"/>
+          </a:fillRef>
+          <a:effectRef idx="0">
+            <a:schemeClr val="accent1"/>
+          </a:effectRef>
+          <a:fontRef idx="minor">
+            <a:schemeClr val="lt1"/>
+          </a:fontRef>
+        </p:style>
+        <p:txBody>
+          <a:bodyPr rtlCol="0" anchor="ctr"/>
+          <a:lstStyle/>
+          <a:p>
+            <a:pPr algn="ctr"/>
+            <a:endParaRPr lang="en-US"/>
+          </a:p>
+        </p:txBody>
+      </p:sp>
+      <p:sp>
+        <p:nvSpPr>
+          <p:cNvPr id="13" name="Flowchart: Stored Data 12">
+            <a:extLst>
+              <a:ext uri="{FF2B5EF4-FFF2-40B4-BE49-F238E27FC236}">
+                <a16:creationId xmlns:a16="http://schemas.microsoft.com/office/drawing/2014/main" id="{F9374F96-BB9F-4CFC-B3BA-A8B9C6D0500B}"/>
+              </a:ext>
+            </a:extLst>
+          </p:cNvPr>
+          <p:cNvSpPr/>
+          <p:nvPr/>
+        </p:nvSpPr>
+        <p:spPr>
           <a:xfrm rot="10800000">
-            <a:off x="9471211" y="239603"/>
+            <a:off x="8187017" y="239603"/>
             <a:ext cx="242455" cy="1371600"/>
           </a:xfrm>
           <a:prstGeom prst="flowChartOnlineStorage">
@@ -12659,60 +14075,6 @@
         <p:spPr>
           <a:xfrm>
             <a:off x="2300870" y="239603"/>
-            <a:ext cx="242455" cy="1371600"/>
-          </a:xfrm>
-          <a:prstGeom prst="flowChartOnlineStorage">
-            <a:avLst/>
-          </a:prstGeom>
-          <a:solidFill>
-            <a:srgbClr val="FF0000"/>
-          </a:solidFill>
-          <a:ln>
-            <a:solidFill>
-              <a:srgbClr val="FE0000"/>
-            </a:solidFill>
-          </a:ln>
-        </p:spPr>
-        <p:style>
-          <a:lnRef idx="2">
-            <a:schemeClr val="accent1">
-              <a:shade val="50000"/>
-            </a:schemeClr>
-          </a:lnRef>
-          <a:fillRef idx="1">
-            <a:schemeClr val="accent1"/>
-          </a:fillRef>
-          <a:effectRef idx="0">
-            <a:schemeClr val="accent1"/>
-          </a:effectRef>
-          <a:fontRef idx="minor">
-            <a:schemeClr val="lt1"/>
-          </a:fontRef>
-        </p:style>
-        <p:txBody>
-          <a:bodyPr rtlCol="0" anchor="ctr"/>
-          <a:lstStyle/>
-          <a:p>
-            <a:pPr algn="ctr"/>
-            <a:endParaRPr lang="en-US"/>
-          </a:p>
-        </p:txBody>
-      </p:sp>
-      <p:sp>
-        <p:nvSpPr>
-          <p:cNvPr id="19" name="Flowchart: Stored Data 18">
-            <a:extLst>
-              <a:ext uri="{FF2B5EF4-FFF2-40B4-BE49-F238E27FC236}">
-                <a16:creationId xmlns:a16="http://schemas.microsoft.com/office/drawing/2014/main" id="{21434BDC-077E-432A-B817-1C308E124339}"/>
-              </a:ext>
-            </a:extLst>
-          </p:cNvPr>
-          <p:cNvSpPr/>
-          <p:nvPr/>
-        </p:nvSpPr>
-        <p:spPr>
-          <a:xfrm rot="10800000">
-            <a:off x="9471211" y="239603"/>
             <a:ext cx="242455" cy="1371600"/>
           </a:xfrm>
           <a:prstGeom prst="flowChartOnlineStorage">
@@ -13072,6 +14434,187 @@
           </p:sp>
         </mc:Fallback>
       </mc:AlternateContent>
+      <p:sp>
+        <p:nvSpPr>
+          <p:cNvPr id="12" name="Title 1">
+            <a:extLst>
+              <a:ext uri="{FF2B5EF4-FFF2-40B4-BE49-F238E27FC236}">
+                <a16:creationId xmlns:a16="http://schemas.microsoft.com/office/drawing/2014/main" id="{3197759A-6FBB-49A3-A26B-2DCF42A24CD6}"/>
+              </a:ext>
+            </a:extLst>
+          </p:cNvPr>
+          <p:cNvSpPr txBox="1">
+            <a:spLocks/>
+          </p:cNvSpPr>
+          <p:nvPr/>
+        </p:nvSpPr>
+        <p:spPr>
+          <a:xfrm>
+            <a:off x="2528316" y="413339"/>
+            <a:ext cx="10506456" cy="1197864"/>
+          </a:xfrm>
+          <a:prstGeom prst="rect">
+            <a:avLst/>
+          </a:prstGeom>
+          <a:solidFill>
+            <a:schemeClr val="bg1"/>
+          </a:solidFill>
+          <a:ln w="44450" cmpd="thinThick">
+            <a:noFill/>
+          </a:ln>
+        </p:spPr>
+        <p:txBody>
+          <a:bodyPr vert="horz" lIns="91440" tIns="45720" rIns="91440" bIns="45720" rtlCol="0" anchor="ctr">
+            <a:normAutofit/>
+          </a:bodyPr>
+          <a:lstStyle>
+            <a:lvl1pPr algn="l" defTabSz="914400" rtl="0" eaLnBrk="1" latinLnBrk="0" hangingPunct="1">
+              <a:lnSpc>
+                <a:spcPct val="90000"/>
+              </a:lnSpc>
+              <a:spcBef>
+                <a:spcPct val="0"/>
+              </a:spcBef>
+              <a:buNone/>
+              <a:defRPr sz="4400" kern="1200">
+                <a:solidFill>
+                  <a:schemeClr val="tx1"/>
+                </a:solidFill>
+                <a:latin typeface="+mj-lt"/>
+                <a:ea typeface="+mj-ea"/>
+                <a:cs typeface="+mj-cs"/>
+              </a:defRPr>
+            </a:lvl1pPr>
+          </a:lstStyle>
+          <a:p>
+            <a:r>
+              <a:rPr lang="en-US" sz="4800" dirty="0">
+                <a:ln w="12700">
+                  <a:noFill/>
+                </a:ln>
+                <a:solidFill>
+                  <a:schemeClr val="accent6">
+                    <a:lumMod val="75000"/>
+                  </a:schemeClr>
+                </a:solidFill>
+                <a:effectLst>
+                  <a:reflection blurRad="6350" stA="53000" endA="300" endPos="35500" dir="5400000" sy="-90000" algn="bl" rotWithShape="0"/>
+                </a:effectLst>
+                <a:latin typeface="Selawik Semibold" panose="020B0702040204020203" pitchFamily="34" charset="0"/>
+              </a:rPr>
+              <a:t>Player Performance</a:t>
+            </a:r>
+          </a:p>
+        </p:txBody>
+      </p:sp>
+      <p:sp>
+        <p:nvSpPr>
+          <p:cNvPr id="13" name="Flowchart: Stored Data 12">
+            <a:extLst>
+              <a:ext uri="{FF2B5EF4-FFF2-40B4-BE49-F238E27FC236}">
+                <a16:creationId xmlns:a16="http://schemas.microsoft.com/office/drawing/2014/main" id="{F5C9F786-C148-4B96-96FF-2C74B70FED0C}"/>
+              </a:ext>
+            </a:extLst>
+          </p:cNvPr>
+          <p:cNvSpPr/>
+          <p:nvPr/>
+        </p:nvSpPr>
+        <p:spPr>
+          <a:xfrm>
+            <a:off x="2300870" y="239603"/>
+            <a:ext cx="242455" cy="1371600"/>
+          </a:xfrm>
+          <a:prstGeom prst="flowChartOnlineStorage">
+            <a:avLst/>
+          </a:prstGeom>
+          <a:solidFill>
+            <a:srgbClr val="FF0000"/>
+          </a:solidFill>
+          <a:ln>
+            <a:solidFill>
+              <a:srgbClr val="FE0000"/>
+            </a:solidFill>
+          </a:ln>
+        </p:spPr>
+        <p:style>
+          <a:lnRef idx="2">
+            <a:schemeClr val="accent1">
+              <a:shade val="50000"/>
+            </a:schemeClr>
+          </a:lnRef>
+          <a:fillRef idx="1">
+            <a:schemeClr val="accent1"/>
+          </a:fillRef>
+          <a:effectRef idx="0">
+            <a:schemeClr val="accent1"/>
+          </a:effectRef>
+          <a:fontRef idx="minor">
+            <a:schemeClr val="lt1"/>
+          </a:fontRef>
+        </p:style>
+        <p:txBody>
+          <a:bodyPr rtlCol="0" anchor="ctr"/>
+          <a:lstStyle/>
+          <a:p>
+            <a:pPr algn="ctr"/>
+            <a:endParaRPr lang="en-US"/>
+          </a:p>
+        </p:txBody>
+      </p:sp>
+      <p:sp>
+        <p:nvSpPr>
+          <p:cNvPr id="14" name="Flowchart: Stored Data 13">
+            <a:extLst>
+              <a:ext uri="{FF2B5EF4-FFF2-40B4-BE49-F238E27FC236}">
+                <a16:creationId xmlns:a16="http://schemas.microsoft.com/office/drawing/2014/main" id="{83744C3F-9CBC-4E26-A238-63C447644435}"/>
+              </a:ext>
+            </a:extLst>
+          </p:cNvPr>
+          <p:cNvSpPr/>
+          <p:nvPr/>
+        </p:nvSpPr>
+        <p:spPr>
+          <a:xfrm rot="10800000">
+            <a:off x="8187017" y="239603"/>
+            <a:ext cx="242455" cy="1371600"/>
+          </a:xfrm>
+          <a:prstGeom prst="flowChartOnlineStorage">
+            <a:avLst/>
+          </a:prstGeom>
+          <a:solidFill>
+            <a:srgbClr val="FF0000"/>
+          </a:solidFill>
+          <a:ln>
+            <a:solidFill>
+              <a:srgbClr val="FE0000"/>
+            </a:solidFill>
+          </a:ln>
+        </p:spPr>
+        <p:style>
+          <a:lnRef idx="2">
+            <a:schemeClr val="accent1">
+              <a:shade val="50000"/>
+            </a:schemeClr>
+          </a:lnRef>
+          <a:fillRef idx="1">
+            <a:schemeClr val="accent1"/>
+          </a:fillRef>
+          <a:effectRef idx="0">
+            <a:schemeClr val="accent1"/>
+          </a:effectRef>
+          <a:fontRef idx="minor">
+            <a:schemeClr val="lt1"/>
+          </a:fontRef>
+        </p:style>
+        <p:txBody>
+          <a:bodyPr rtlCol="0" anchor="ctr"/>
+          <a:lstStyle/>
+          <a:p>
+            <a:pPr algn="ctr"/>
+            <a:endParaRPr lang="en-US"/>
+          </a:p>
+        </p:txBody>
+      </p:sp>
     </p:spTree>
     <p:extLst>
       <p:ext uri="{BB962C8B-B14F-4D97-AF65-F5344CB8AC3E}">
@@ -13373,60 +14916,6 @@
           </a:p>
         </p:txBody>
       </p:sp>
-      <p:sp>
-        <p:nvSpPr>
-          <p:cNvPr id="19" name="Flowchart: Stored Data 18">
-            <a:extLst>
-              <a:ext uri="{FF2B5EF4-FFF2-40B4-BE49-F238E27FC236}">
-                <a16:creationId xmlns:a16="http://schemas.microsoft.com/office/drawing/2014/main" id="{21434BDC-077E-432A-B817-1C308E124339}"/>
-              </a:ext>
-            </a:extLst>
-          </p:cNvPr>
-          <p:cNvSpPr/>
-          <p:nvPr/>
-        </p:nvSpPr>
-        <p:spPr>
-          <a:xfrm rot="10800000">
-            <a:off x="9471211" y="239603"/>
-            <a:ext cx="242455" cy="1371600"/>
-          </a:xfrm>
-          <a:prstGeom prst="flowChartOnlineStorage">
-            <a:avLst/>
-          </a:prstGeom>
-          <a:solidFill>
-            <a:srgbClr val="FF0000"/>
-          </a:solidFill>
-          <a:ln>
-            <a:solidFill>
-              <a:srgbClr val="FE0000"/>
-            </a:solidFill>
-          </a:ln>
-        </p:spPr>
-        <p:style>
-          <a:lnRef idx="2">
-            <a:schemeClr val="accent1">
-              <a:shade val="50000"/>
-            </a:schemeClr>
-          </a:lnRef>
-          <a:fillRef idx="1">
-            <a:schemeClr val="accent1"/>
-          </a:fillRef>
-          <a:effectRef idx="0">
-            <a:schemeClr val="accent1"/>
-          </a:effectRef>
-          <a:fontRef idx="minor">
-            <a:schemeClr val="lt1"/>
-          </a:fontRef>
-        </p:style>
-        <p:txBody>
-          <a:bodyPr rtlCol="0" anchor="ctr"/>
-          <a:lstStyle/>
-          <a:p>
-            <a:pPr algn="ctr"/>
-            <a:endParaRPr lang="en-US"/>
-          </a:p>
-        </p:txBody>
-      </p:sp>
       <p:pic>
         <p:nvPicPr>
           <p:cNvPr id="3" name="Picture 2">
@@ -13926,6 +15415,187 @@
               </a:rPr>
               <a:t>Indicator</a:t>
             </a:r>
+          </a:p>
+        </p:txBody>
+      </p:sp>
+      <p:sp>
+        <p:nvSpPr>
+          <p:cNvPr id="23" name="Title 1">
+            <a:extLst>
+              <a:ext uri="{FF2B5EF4-FFF2-40B4-BE49-F238E27FC236}">
+                <a16:creationId xmlns:a16="http://schemas.microsoft.com/office/drawing/2014/main" id="{CF89EFAB-CF29-46A5-8CD6-D1A1725FD3BE}"/>
+              </a:ext>
+            </a:extLst>
+          </p:cNvPr>
+          <p:cNvSpPr txBox="1">
+            <a:spLocks/>
+          </p:cNvSpPr>
+          <p:nvPr/>
+        </p:nvSpPr>
+        <p:spPr>
+          <a:xfrm>
+            <a:off x="2528316" y="413339"/>
+            <a:ext cx="10506456" cy="1197864"/>
+          </a:xfrm>
+          <a:prstGeom prst="rect">
+            <a:avLst/>
+          </a:prstGeom>
+          <a:solidFill>
+            <a:schemeClr val="bg1"/>
+          </a:solidFill>
+          <a:ln w="44450" cmpd="thinThick">
+            <a:noFill/>
+          </a:ln>
+        </p:spPr>
+        <p:txBody>
+          <a:bodyPr vert="horz" lIns="91440" tIns="45720" rIns="91440" bIns="45720" rtlCol="0" anchor="ctr">
+            <a:normAutofit/>
+          </a:bodyPr>
+          <a:lstStyle>
+            <a:lvl1pPr algn="l" defTabSz="914400" rtl="0" eaLnBrk="1" latinLnBrk="0" hangingPunct="1">
+              <a:lnSpc>
+                <a:spcPct val="90000"/>
+              </a:lnSpc>
+              <a:spcBef>
+                <a:spcPct val="0"/>
+              </a:spcBef>
+              <a:buNone/>
+              <a:defRPr sz="4400" kern="1200">
+                <a:solidFill>
+                  <a:schemeClr val="tx1"/>
+                </a:solidFill>
+                <a:latin typeface="+mj-lt"/>
+                <a:ea typeface="+mj-ea"/>
+                <a:cs typeface="+mj-cs"/>
+              </a:defRPr>
+            </a:lvl1pPr>
+          </a:lstStyle>
+          <a:p>
+            <a:r>
+              <a:rPr lang="en-US" sz="4800" dirty="0">
+                <a:ln w="12700">
+                  <a:noFill/>
+                </a:ln>
+                <a:solidFill>
+                  <a:schemeClr val="accent6">
+                    <a:lumMod val="75000"/>
+                  </a:schemeClr>
+                </a:solidFill>
+                <a:effectLst>
+                  <a:reflection blurRad="6350" stA="53000" endA="300" endPos="35500" dir="5400000" sy="-90000" algn="bl" rotWithShape="0"/>
+                </a:effectLst>
+                <a:latin typeface="Selawik Semibold" panose="020B0702040204020203" pitchFamily="34" charset="0"/>
+              </a:rPr>
+              <a:t>Player Performance</a:t>
+            </a:r>
+          </a:p>
+        </p:txBody>
+      </p:sp>
+      <p:sp>
+        <p:nvSpPr>
+          <p:cNvPr id="24" name="Flowchart: Stored Data 23">
+            <a:extLst>
+              <a:ext uri="{FF2B5EF4-FFF2-40B4-BE49-F238E27FC236}">
+                <a16:creationId xmlns:a16="http://schemas.microsoft.com/office/drawing/2014/main" id="{16399E3E-ECFE-4CEF-BCFB-C5CC195BC280}"/>
+              </a:ext>
+            </a:extLst>
+          </p:cNvPr>
+          <p:cNvSpPr/>
+          <p:nvPr/>
+        </p:nvSpPr>
+        <p:spPr>
+          <a:xfrm>
+            <a:off x="2300870" y="239603"/>
+            <a:ext cx="242455" cy="1371600"/>
+          </a:xfrm>
+          <a:prstGeom prst="flowChartOnlineStorage">
+            <a:avLst/>
+          </a:prstGeom>
+          <a:solidFill>
+            <a:srgbClr val="FF0000"/>
+          </a:solidFill>
+          <a:ln>
+            <a:solidFill>
+              <a:srgbClr val="FE0000"/>
+            </a:solidFill>
+          </a:ln>
+        </p:spPr>
+        <p:style>
+          <a:lnRef idx="2">
+            <a:schemeClr val="accent1">
+              <a:shade val="50000"/>
+            </a:schemeClr>
+          </a:lnRef>
+          <a:fillRef idx="1">
+            <a:schemeClr val="accent1"/>
+          </a:fillRef>
+          <a:effectRef idx="0">
+            <a:schemeClr val="accent1"/>
+          </a:effectRef>
+          <a:fontRef idx="minor">
+            <a:schemeClr val="lt1"/>
+          </a:fontRef>
+        </p:style>
+        <p:txBody>
+          <a:bodyPr rtlCol="0" anchor="ctr"/>
+          <a:lstStyle/>
+          <a:p>
+            <a:pPr algn="ctr"/>
+            <a:endParaRPr lang="en-US"/>
+          </a:p>
+        </p:txBody>
+      </p:sp>
+      <p:sp>
+        <p:nvSpPr>
+          <p:cNvPr id="26" name="Flowchart: Stored Data 25">
+            <a:extLst>
+              <a:ext uri="{FF2B5EF4-FFF2-40B4-BE49-F238E27FC236}">
+                <a16:creationId xmlns:a16="http://schemas.microsoft.com/office/drawing/2014/main" id="{F9224494-1DAA-428A-A6C3-E27AB08DEC8F}"/>
+              </a:ext>
+            </a:extLst>
+          </p:cNvPr>
+          <p:cNvSpPr/>
+          <p:nvPr/>
+        </p:nvSpPr>
+        <p:spPr>
+          <a:xfrm rot="10800000">
+            <a:off x="8187017" y="239603"/>
+            <a:ext cx="242455" cy="1371600"/>
+          </a:xfrm>
+          <a:prstGeom prst="flowChartOnlineStorage">
+            <a:avLst/>
+          </a:prstGeom>
+          <a:solidFill>
+            <a:srgbClr val="FF0000"/>
+          </a:solidFill>
+          <a:ln>
+            <a:solidFill>
+              <a:srgbClr val="FE0000"/>
+            </a:solidFill>
+          </a:ln>
+        </p:spPr>
+        <p:style>
+          <a:lnRef idx="2">
+            <a:schemeClr val="accent1">
+              <a:shade val="50000"/>
+            </a:schemeClr>
+          </a:lnRef>
+          <a:fillRef idx="1">
+            <a:schemeClr val="accent1"/>
+          </a:fillRef>
+          <a:effectRef idx="0">
+            <a:schemeClr val="accent1"/>
+          </a:effectRef>
+          <a:fontRef idx="minor">
+            <a:schemeClr val="lt1"/>
+          </a:fontRef>
+        </p:style>
+        <p:txBody>
+          <a:bodyPr rtlCol="0" anchor="ctr"/>
+          <a:lstStyle/>
+          <a:p>
+            <a:pPr algn="ctr"/>
+            <a:endParaRPr lang="en-US"/>
           </a:p>
         </p:txBody>
       </p:sp>
@@ -14313,60 +15983,6 @@
           </a:p>
         </p:txBody>
       </p:sp>
-      <p:sp>
-        <p:nvSpPr>
-          <p:cNvPr id="19" name="Flowchart: Stored Data 18">
-            <a:extLst>
-              <a:ext uri="{FF2B5EF4-FFF2-40B4-BE49-F238E27FC236}">
-                <a16:creationId xmlns:a16="http://schemas.microsoft.com/office/drawing/2014/main" id="{21434BDC-077E-432A-B817-1C308E124339}"/>
-              </a:ext>
-            </a:extLst>
-          </p:cNvPr>
-          <p:cNvSpPr/>
-          <p:nvPr/>
-        </p:nvSpPr>
-        <p:spPr>
-          <a:xfrm rot="10800000">
-            <a:off x="9471211" y="239603"/>
-            <a:ext cx="242455" cy="1371600"/>
-          </a:xfrm>
-          <a:prstGeom prst="flowChartOnlineStorage">
-            <a:avLst/>
-          </a:prstGeom>
-          <a:solidFill>
-            <a:srgbClr val="FF0000"/>
-          </a:solidFill>
-          <a:ln>
-            <a:solidFill>
-              <a:srgbClr val="FE0000"/>
-            </a:solidFill>
-          </a:ln>
-        </p:spPr>
-        <p:style>
-          <a:lnRef idx="2">
-            <a:schemeClr val="accent1">
-              <a:shade val="50000"/>
-            </a:schemeClr>
-          </a:lnRef>
-          <a:fillRef idx="1">
-            <a:schemeClr val="accent1"/>
-          </a:fillRef>
-          <a:effectRef idx="0">
-            <a:schemeClr val="accent1"/>
-          </a:effectRef>
-          <a:fontRef idx="minor">
-            <a:schemeClr val="lt1"/>
-          </a:fontRef>
-        </p:style>
-        <p:txBody>
-          <a:bodyPr rtlCol="0" anchor="ctr"/>
-          <a:lstStyle/>
-          <a:p>
-            <a:pPr algn="ctr"/>
-            <a:endParaRPr lang="en-US"/>
-          </a:p>
-        </p:txBody>
-      </p:sp>
       <p:pic>
         <p:nvPicPr>
           <p:cNvPr id="2" name="Picture 1">
@@ -14830,6 +16446,187 @@
               </a:rPr>
               <a:t>Away Players</a:t>
             </a:r>
+          </a:p>
+        </p:txBody>
+      </p:sp>
+      <p:sp>
+        <p:nvSpPr>
+          <p:cNvPr id="23" name="Title 1">
+            <a:extLst>
+              <a:ext uri="{FF2B5EF4-FFF2-40B4-BE49-F238E27FC236}">
+                <a16:creationId xmlns:a16="http://schemas.microsoft.com/office/drawing/2014/main" id="{F321E15A-B99E-4235-90C9-12162D34D44B}"/>
+              </a:ext>
+            </a:extLst>
+          </p:cNvPr>
+          <p:cNvSpPr txBox="1">
+            <a:spLocks/>
+          </p:cNvSpPr>
+          <p:nvPr/>
+        </p:nvSpPr>
+        <p:spPr>
+          <a:xfrm>
+            <a:off x="2528316" y="413339"/>
+            <a:ext cx="10506456" cy="1197864"/>
+          </a:xfrm>
+          <a:prstGeom prst="rect">
+            <a:avLst/>
+          </a:prstGeom>
+          <a:solidFill>
+            <a:schemeClr val="bg1"/>
+          </a:solidFill>
+          <a:ln w="44450" cmpd="thinThick">
+            <a:noFill/>
+          </a:ln>
+        </p:spPr>
+        <p:txBody>
+          <a:bodyPr vert="horz" lIns="91440" tIns="45720" rIns="91440" bIns="45720" rtlCol="0" anchor="ctr">
+            <a:normAutofit/>
+          </a:bodyPr>
+          <a:lstStyle>
+            <a:lvl1pPr algn="l" defTabSz="914400" rtl="0" eaLnBrk="1" latinLnBrk="0" hangingPunct="1">
+              <a:lnSpc>
+                <a:spcPct val="90000"/>
+              </a:lnSpc>
+              <a:spcBef>
+                <a:spcPct val="0"/>
+              </a:spcBef>
+              <a:buNone/>
+              <a:defRPr sz="4400" kern="1200">
+                <a:solidFill>
+                  <a:schemeClr val="tx1"/>
+                </a:solidFill>
+                <a:latin typeface="+mj-lt"/>
+                <a:ea typeface="+mj-ea"/>
+                <a:cs typeface="+mj-cs"/>
+              </a:defRPr>
+            </a:lvl1pPr>
+          </a:lstStyle>
+          <a:p>
+            <a:r>
+              <a:rPr lang="en-US" sz="4800" dirty="0">
+                <a:ln w="12700">
+                  <a:noFill/>
+                </a:ln>
+                <a:solidFill>
+                  <a:schemeClr val="accent6">
+                    <a:lumMod val="75000"/>
+                  </a:schemeClr>
+                </a:solidFill>
+                <a:effectLst>
+                  <a:reflection blurRad="6350" stA="53000" endA="300" endPos="35500" dir="5400000" sy="-90000" algn="bl" rotWithShape="0"/>
+                </a:effectLst>
+                <a:latin typeface="Selawik Semibold" panose="020B0702040204020203" pitchFamily="34" charset="0"/>
+              </a:rPr>
+              <a:t>Player Performance</a:t>
+            </a:r>
+          </a:p>
+        </p:txBody>
+      </p:sp>
+      <p:sp>
+        <p:nvSpPr>
+          <p:cNvPr id="24" name="Flowchart: Stored Data 23">
+            <a:extLst>
+              <a:ext uri="{FF2B5EF4-FFF2-40B4-BE49-F238E27FC236}">
+                <a16:creationId xmlns:a16="http://schemas.microsoft.com/office/drawing/2014/main" id="{AB24056A-47AC-4E43-BD47-0CB1DD2B127A}"/>
+              </a:ext>
+            </a:extLst>
+          </p:cNvPr>
+          <p:cNvSpPr/>
+          <p:nvPr/>
+        </p:nvSpPr>
+        <p:spPr>
+          <a:xfrm>
+            <a:off x="2300870" y="239603"/>
+            <a:ext cx="242455" cy="1371600"/>
+          </a:xfrm>
+          <a:prstGeom prst="flowChartOnlineStorage">
+            <a:avLst/>
+          </a:prstGeom>
+          <a:solidFill>
+            <a:srgbClr val="FF0000"/>
+          </a:solidFill>
+          <a:ln>
+            <a:solidFill>
+              <a:srgbClr val="FE0000"/>
+            </a:solidFill>
+          </a:ln>
+        </p:spPr>
+        <p:style>
+          <a:lnRef idx="2">
+            <a:schemeClr val="accent1">
+              <a:shade val="50000"/>
+            </a:schemeClr>
+          </a:lnRef>
+          <a:fillRef idx="1">
+            <a:schemeClr val="accent1"/>
+          </a:fillRef>
+          <a:effectRef idx="0">
+            <a:schemeClr val="accent1"/>
+          </a:effectRef>
+          <a:fontRef idx="minor">
+            <a:schemeClr val="lt1"/>
+          </a:fontRef>
+        </p:style>
+        <p:txBody>
+          <a:bodyPr rtlCol="0" anchor="ctr"/>
+          <a:lstStyle/>
+          <a:p>
+            <a:pPr algn="ctr"/>
+            <a:endParaRPr lang="en-US"/>
+          </a:p>
+        </p:txBody>
+      </p:sp>
+      <p:sp>
+        <p:nvSpPr>
+          <p:cNvPr id="25" name="Flowchart: Stored Data 24">
+            <a:extLst>
+              <a:ext uri="{FF2B5EF4-FFF2-40B4-BE49-F238E27FC236}">
+                <a16:creationId xmlns:a16="http://schemas.microsoft.com/office/drawing/2014/main" id="{75907C4D-90A1-4BDD-AC7F-68E836AB3753}"/>
+              </a:ext>
+            </a:extLst>
+          </p:cNvPr>
+          <p:cNvSpPr/>
+          <p:nvPr/>
+        </p:nvSpPr>
+        <p:spPr>
+          <a:xfrm rot="10800000">
+            <a:off x="8187017" y="239603"/>
+            <a:ext cx="242455" cy="1371600"/>
+          </a:xfrm>
+          <a:prstGeom prst="flowChartOnlineStorage">
+            <a:avLst/>
+          </a:prstGeom>
+          <a:solidFill>
+            <a:srgbClr val="FF0000"/>
+          </a:solidFill>
+          <a:ln>
+            <a:solidFill>
+              <a:srgbClr val="FE0000"/>
+            </a:solidFill>
+          </a:ln>
+        </p:spPr>
+        <p:style>
+          <a:lnRef idx="2">
+            <a:schemeClr val="accent1">
+              <a:shade val="50000"/>
+            </a:schemeClr>
+          </a:lnRef>
+          <a:fillRef idx="1">
+            <a:schemeClr val="accent1"/>
+          </a:fillRef>
+          <a:effectRef idx="0">
+            <a:schemeClr val="accent1"/>
+          </a:effectRef>
+          <a:fontRef idx="minor">
+            <a:schemeClr val="lt1"/>
+          </a:fontRef>
+        </p:style>
+        <p:txBody>
+          <a:bodyPr rtlCol="0" anchor="ctr"/>
+          <a:lstStyle/>
+          <a:p>
+            <a:pPr algn="ctr"/>
+            <a:endParaRPr lang="en-US"/>
           </a:p>
         </p:txBody>
       </p:sp>
@@ -15139,60 +16936,6 @@
           </a:p>
         </p:txBody>
       </p:sp>
-      <p:sp>
-        <p:nvSpPr>
-          <p:cNvPr id="19" name="Flowchart: Stored Data 18">
-            <a:extLst>
-              <a:ext uri="{FF2B5EF4-FFF2-40B4-BE49-F238E27FC236}">
-                <a16:creationId xmlns:a16="http://schemas.microsoft.com/office/drawing/2014/main" id="{21434BDC-077E-432A-B817-1C308E124339}"/>
-              </a:ext>
-            </a:extLst>
-          </p:cNvPr>
-          <p:cNvSpPr/>
-          <p:nvPr/>
-        </p:nvSpPr>
-        <p:spPr>
-          <a:xfrm rot="10800000">
-            <a:off x="9471211" y="239603"/>
-            <a:ext cx="242455" cy="1371600"/>
-          </a:xfrm>
-          <a:prstGeom prst="flowChartOnlineStorage">
-            <a:avLst/>
-          </a:prstGeom>
-          <a:solidFill>
-            <a:srgbClr val="FF0000"/>
-          </a:solidFill>
-          <a:ln>
-            <a:solidFill>
-              <a:srgbClr val="FE0000"/>
-            </a:solidFill>
-          </a:ln>
-        </p:spPr>
-        <p:style>
-          <a:lnRef idx="2">
-            <a:schemeClr val="accent1">
-              <a:shade val="50000"/>
-            </a:schemeClr>
-          </a:lnRef>
-          <a:fillRef idx="1">
-            <a:schemeClr val="accent1"/>
-          </a:fillRef>
-          <a:effectRef idx="0">
-            <a:schemeClr val="accent1"/>
-          </a:effectRef>
-          <a:fontRef idx="minor">
-            <a:schemeClr val="lt1"/>
-          </a:fontRef>
-        </p:style>
-        <p:txBody>
-          <a:bodyPr rtlCol="0" anchor="ctr"/>
-          <a:lstStyle/>
-          <a:p>
-            <a:pPr algn="ctr"/>
-            <a:endParaRPr lang="en-US"/>
-          </a:p>
-        </p:txBody>
-      </p:sp>
       <p:pic>
         <p:nvPicPr>
           <p:cNvPr id="2" name="Picture 1">
@@ -15308,6 +17051,187 @@
               </a:rPr>
               <a:t>Massive Model Matrix (All Hockey Players)</a:t>
             </a:r>
+          </a:p>
+        </p:txBody>
+      </p:sp>
+      <p:sp>
+        <p:nvSpPr>
+          <p:cNvPr id="14" name="Title 1">
+            <a:extLst>
+              <a:ext uri="{FF2B5EF4-FFF2-40B4-BE49-F238E27FC236}">
+                <a16:creationId xmlns:a16="http://schemas.microsoft.com/office/drawing/2014/main" id="{7E499C0F-B02A-4031-90E4-26226B6881E5}"/>
+              </a:ext>
+            </a:extLst>
+          </p:cNvPr>
+          <p:cNvSpPr txBox="1">
+            <a:spLocks/>
+          </p:cNvSpPr>
+          <p:nvPr/>
+        </p:nvSpPr>
+        <p:spPr>
+          <a:xfrm>
+            <a:off x="2528316" y="413339"/>
+            <a:ext cx="10506456" cy="1197864"/>
+          </a:xfrm>
+          <a:prstGeom prst="rect">
+            <a:avLst/>
+          </a:prstGeom>
+          <a:solidFill>
+            <a:schemeClr val="bg1"/>
+          </a:solidFill>
+          <a:ln w="44450" cmpd="thinThick">
+            <a:noFill/>
+          </a:ln>
+        </p:spPr>
+        <p:txBody>
+          <a:bodyPr vert="horz" lIns="91440" tIns="45720" rIns="91440" bIns="45720" rtlCol="0" anchor="ctr">
+            <a:normAutofit/>
+          </a:bodyPr>
+          <a:lstStyle>
+            <a:lvl1pPr algn="l" defTabSz="914400" rtl="0" eaLnBrk="1" latinLnBrk="0" hangingPunct="1">
+              <a:lnSpc>
+                <a:spcPct val="90000"/>
+              </a:lnSpc>
+              <a:spcBef>
+                <a:spcPct val="0"/>
+              </a:spcBef>
+              <a:buNone/>
+              <a:defRPr sz="4400" kern="1200">
+                <a:solidFill>
+                  <a:schemeClr val="tx1"/>
+                </a:solidFill>
+                <a:latin typeface="+mj-lt"/>
+                <a:ea typeface="+mj-ea"/>
+                <a:cs typeface="+mj-cs"/>
+              </a:defRPr>
+            </a:lvl1pPr>
+          </a:lstStyle>
+          <a:p>
+            <a:r>
+              <a:rPr lang="en-US" sz="4800" dirty="0">
+                <a:ln w="12700">
+                  <a:noFill/>
+                </a:ln>
+                <a:solidFill>
+                  <a:schemeClr val="accent6">
+                    <a:lumMod val="75000"/>
+                  </a:schemeClr>
+                </a:solidFill>
+                <a:effectLst>
+                  <a:reflection blurRad="6350" stA="53000" endA="300" endPos="35500" dir="5400000" sy="-90000" algn="bl" rotWithShape="0"/>
+                </a:effectLst>
+                <a:latin typeface="Selawik Semibold" panose="020B0702040204020203" pitchFamily="34" charset="0"/>
+              </a:rPr>
+              <a:t>Player Performance</a:t>
+            </a:r>
+          </a:p>
+        </p:txBody>
+      </p:sp>
+      <p:sp>
+        <p:nvSpPr>
+          <p:cNvPr id="15" name="Flowchart: Stored Data 14">
+            <a:extLst>
+              <a:ext uri="{FF2B5EF4-FFF2-40B4-BE49-F238E27FC236}">
+                <a16:creationId xmlns:a16="http://schemas.microsoft.com/office/drawing/2014/main" id="{1A67DC91-0A0D-45D9-9E91-877EFBD4A3AF}"/>
+              </a:ext>
+            </a:extLst>
+          </p:cNvPr>
+          <p:cNvSpPr/>
+          <p:nvPr/>
+        </p:nvSpPr>
+        <p:spPr>
+          <a:xfrm>
+            <a:off x="2300870" y="239603"/>
+            <a:ext cx="242455" cy="1371600"/>
+          </a:xfrm>
+          <a:prstGeom prst="flowChartOnlineStorage">
+            <a:avLst/>
+          </a:prstGeom>
+          <a:solidFill>
+            <a:srgbClr val="FF0000"/>
+          </a:solidFill>
+          <a:ln>
+            <a:solidFill>
+              <a:srgbClr val="FE0000"/>
+            </a:solidFill>
+          </a:ln>
+        </p:spPr>
+        <p:style>
+          <a:lnRef idx="2">
+            <a:schemeClr val="accent1">
+              <a:shade val="50000"/>
+            </a:schemeClr>
+          </a:lnRef>
+          <a:fillRef idx="1">
+            <a:schemeClr val="accent1"/>
+          </a:fillRef>
+          <a:effectRef idx="0">
+            <a:schemeClr val="accent1"/>
+          </a:effectRef>
+          <a:fontRef idx="minor">
+            <a:schemeClr val="lt1"/>
+          </a:fontRef>
+        </p:style>
+        <p:txBody>
+          <a:bodyPr rtlCol="0" anchor="ctr"/>
+          <a:lstStyle/>
+          <a:p>
+            <a:pPr algn="ctr"/>
+            <a:endParaRPr lang="en-US"/>
+          </a:p>
+        </p:txBody>
+      </p:sp>
+      <p:sp>
+        <p:nvSpPr>
+          <p:cNvPr id="16" name="Flowchart: Stored Data 15">
+            <a:extLst>
+              <a:ext uri="{FF2B5EF4-FFF2-40B4-BE49-F238E27FC236}">
+                <a16:creationId xmlns:a16="http://schemas.microsoft.com/office/drawing/2014/main" id="{829E4BAD-2E46-4BD9-B245-6EDE718AC51B}"/>
+              </a:ext>
+            </a:extLst>
+          </p:cNvPr>
+          <p:cNvSpPr/>
+          <p:nvPr/>
+        </p:nvSpPr>
+        <p:spPr>
+          <a:xfrm rot="10800000">
+            <a:off x="8187017" y="239603"/>
+            <a:ext cx="242455" cy="1371600"/>
+          </a:xfrm>
+          <a:prstGeom prst="flowChartOnlineStorage">
+            <a:avLst/>
+          </a:prstGeom>
+          <a:solidFill>
+            <a:srgbClr val="FF0000"/>
+          </a:solidFill>
+          <a:ln>
+            <a:solidFill>
+              <a:srgbClr val="FE0000"/>
+            </a:solidFill>
+          </a:ln>
+        </p:spPr>
+        <p:style>
+          <a:lnRef idx="2">
+            <a:schemeClr val="accent1">
+              <a:shade val="50000"/>
+            </a:schemeClr>
+          </a:lnRef>
+          <a:fillRef idx="1">
+            <a:schemeClr val="accent1"/>
+          </a:fillRef>
+          <a:effectRef idx="0">
+            <a:schemeClr val="accent1"/>
+          </a:effectRef>
+          <a:fontRef idx="minor">
+            <a:schemeClr val="lt1"/>
+          </a:fontRef>
+        </p:style>
+        <p:txBody>
+          <a:bodyPr rtlCol="0" anchor="ctr"/>
+          <a:lstStyle/>
+          <a:p>
+            <a:pPr algn="ctr"/>
+            <a:endParaRPr lang="en-US"/>
           </a:p>
         </p:txBody>
       </p:sp>
